--- a/华润月报_201804.pptx
+++ b/华润月报_201804.pptx
@@ -256,40 +256,40 @@
                 <c:formatCode>General</c:formatCode>
                 <c:ptCount val="12"/>
                 <c:pt idx="0">
-                  <c:v>2017.5</c:v>
+                  <c:v>201706</c:v>
                 </c:pt>
                 <c:pt idx="1">
-                  <c:v>2017.6</c:v>
+                  <c:v>201707</c:v>
                 </c:pt>
                 <c:pt idx="2">
-                  <c:v>2017.7</c:v>
+                  <c:v>201708</c:v>
                 </c:pt>
                 <c:pt idx="3">
-                  <c:v>2017.8</c:v>
+                  <c:v>201709</c:v>
                 </c:pt>
                 <c:pt idx="4">
-                  <c:v>2017.9</c:v>
+                  <c:v>201710</c:v>
                 </c:pt>
                 <c:pt idx="5">
-                  <c:v>2017.1</c:v>
+                  <c:v>201711</c:v>
                 </c:pt>
                 <c:pt idx="6">
-                  <c:v>2017.11</c:v>
+                  <c:v>201712</c:v>
                 </c:pt>
                 <c:pt idx="7">
-                  <c:v>2017.12</c:v>
+                  <c:v>201801</c:v>
                 </c:pt>
                 <c:pt idx="8">
-                  <c:v>2018.1</c:v>
+                  <c:v>201802</c:v>
                 </c:pt>
                 <c:pt idx="9">
-                  <c:v>2018.2</c:v>
+                  <c:v>201803</c:v>
                 </c:pt>
                 <c:pt idx="10">
-                  <c:v>2018.3</c:v>
+                  <c:v>201804</c:v>
                 </c:pt>
                 <c:pt idx="11">
-                  <c:v>2018.4</c:v>
+                  <c:v>201805</c:v>
                 </c:pt>
               </c:numCache>
             </c:numRef>
@@ -301,40 +301,40 @@
                 <c:formatCode>General</c:formatCode>
                 <c:ptCount val="12"/>
                 <c:pt idx="0">
-                  <c:v>32.51</c:v>
+                  <c:v>90.65</c:v>
                 </c:pt>
                 <c:pt idx="1">
-                  <c:v>90.65</c:v>
+                  <c:v>78.5</c:v>
                 </c:pt>
                 <c:pt idx="2">
-                  <c:v>78.5</c:v>
+                  <c:v>35.19</c:v>
                 </c:pt>
                 <c:pt idx="3">
-                  <c:v>35.19</c:v>
+                  <c:v>23.72</c:v>
                 </c:pt>
                 <c:pt idx="4">
-                  <c:v>23.72</c:v>
+                  <c:v>12.49</c:v>
                 </c:pt>
                 <c:pt idx="5">
-                  <c:v>12.49</c:v>
+                  <c:v>126.97</c:v>
                 </c:pt>
                 <c:pt idx="6">
-                  <c:v>126.97</c:v>
+                  <c:v>132.69</c:v>
                 </c:pt>
                 <c:pt idx="7">
-                  <c:v>132.69</c:v>
+                  <c:v>27.08</c:v>
                 </c:pt>
                 <c:pt idx="8">
-                  <c:v>27.08</c:v>
+                  <c:v>13.84</c:v>
                 </c:pt>
                 <c:pt idx="9">
-                  <c:v>13.84</c:v>
+                  <c:v>18.54</c:v>
                 </c:pt>
                 <c:pt idx="10">
-                  <c:v>18.54</c:v>
+                  <c:v>34.200000000000003</c:v>
                 </c:pt>
                 <c:pt idx="11">
-                  <c:v>34.200000000000003</c:v>
+                  <c:v>37.880000000000003</c:v>
                 </c:pt>
               </c:numCache>
             </c:numRef>
@@ -367,40 +367,40 @@
                 <c:formatCode>General</c:formatCode>
                 <c:ptCount val="12"/>
                 <c:pt idx="0">
-                  <c:v>2017.5</c:v>
+                  <c:v>201706</c:v>
                 </c:pt>
                 <c:pt idx="1">
-                  <c:v>2017.6</c:v>
+                  <c:v>201707</c:v>
                 </c:pt>
                 <c:pt idx="2">
-                  <c:v>2017.7</c:v>
+                  <c:v>201708</c:v>
                 </c:pt>
                 <c:pt idx="3">
-                  <c:v>2017.8</c:v>
+                  <c:v>201709</c:v>
                 </c:pt>
                 <c:pt idx="4">
-                  <c:v>2017.9</c:v>
+                  <c:v>201710</c:v>
                 </c:pt>
                 <c:pt idx="5">
-                  <c:v>2017.1</c:v>
+                  <c:v>201711</c:v>
                 </c:pt>
                 <c:pt idx="6">
-                  <c:v>2017.11</c:v>
+                  <c:v>201712</c:v>
                 </c:pt>
                 <c:pt idx="7">
-                  <c:v>2017.12</c:v>
+                  <c:v>201801</c:v>
                 </c:pt>
                 <c:pt idx="8">
-                  <c:v>2018.1</c:v>
+                  <c:v>201802</c:v>
                 </c:pt>
                 <c:pt idx="9">
-                  <c:v>2018.2</c:v>
+                  <c:v>201803</c:v>
                 </c:pt>
                 <c:pt idx="10">
-                  <c:v>2018.3</c:v>
+                  <c:v>201804</c:v>
                 </c:pt>
                 <c:pt idx="11">
-                  <c:v>2018.4</c:v>
+                  <c:v>201805</c:v>
                 </c:pt>
               </c:numCache>
             </c:numRef>
@@ -412,40 +412,40 @@
                 <c:formatCode>General</c:formatCode>
                 <c:ptCount val="12"/>
                 <c:pt idx="0">
-                  <c:v>69.16</c:v>
+                  <c:v>56.83</c:v>
                 </c:pt>
                 <c:pt idx="1">
-                  <c:v>56.83</c:v>
+                  <c:v>67.760000000000005</c:v>
                 </c:pt>
                 <c:pt idx="2">
-                  <c:v>67.760000000000005</c:v>
+                  <c:v>38.25</c:v>
                 </c:pt>
                 <c:pt idx="3">
-                  <c:v>38.25</c:v>
+                  <c:v>76.09</c:v>
                 </c:pt>
                 <c:pt idx="4">
-                  <c:v>76.09</c:v>
+                  <c:v>41.43</c:v>
                 </c:pt>
                 <c:pt idx="5">
-                  <c:v>41.43</c:v>
+                  <c:v>53.42</c:v>
                 </c:pt>
                 <c:pt idx="6">
-                  <c:v>53.42</c:v>
+                  <c:v>89.05</c:v>
                 </c:pt>
                 <c:pt idx="7">
-                  <c:v>89.05</c:v>
+                  <c:v>77.010000000000005</c:v>
                 </c:pt>
                 <c:pt idx="8">
-                  <c:v>77.010000000000005</c:v>
+                  <c:v>36.700000000000003</c:v>
                 </c:pt>
                 <c:pt idx="9">
-                  <c:v>36.700000000000003</c:v>
+                  <c:v>29.83</c:v>
                 </c:pt>
                 <c:pt idx="10">
-                  <c:v>29.83</c:v>
+                  <c:v>38.03</c:v>
                 </c:pt>
                 <c:pt idx="11">
-                  <c:v>38.03</c:v>
+                  <c:v>35.619999999999997</c:v>
                 </c:pt>
               </c:numCache>
             </c:numRef>
@@ -513,40 +513,40 @@
                 <c:formatCode>General</c:formatCode>
                 <c:ptCount val="12"/>
                 <c:pt idx="0">
-                  <c:v>2017.5</c:v>
+                  <c:v>201706</c:v>
                 </c:pt>
                 <c:pt idx="1">
-                  <c:v>2017.6</c:v>
+                  <c:v>201707</c:v>
                 </c:pt>
                 <c:pt idx="2">
-                  <c:v>2017.7</c:v>
+                  <c:v>201708</c:v>
                 </c:pt>
                 <c:pt idx="3">
-                  <c:v>2017.8</c:v>
+                  <c:v>201709</c:v>
                 </c:pt>
                 <c:pt idx="4">
-                  <c:v>2017.9</c:v>
+                  <c:v>201710</c:v>
                 </c:pt>
                 <c:pt idx="5">
-                  <c:v>2017.1</c:v>
+                  <c:v>201711</c:v>
                 </c:pt>
                 <c:pt idx="6">
-                  <c:v>2017.11</c:v>
+                  <c:v>201712</c:v>
                 </c:pt>
                 <c:pt idx="7">
-                  <c:v>2017.12</c:v>
+                  <c:v>201801</c:v>
                 </c:pt>
                 <c:pt idx="8">
-                  <c:v>2018.1</c:v>
+                  <c:v>201802</c:v>
                 </c:pt>
                 <c:pt idx="9">
-                  <c:v>2018.2</c:v>
+                  <c:v>201803</c:v>
                 </c:pt>
                 <c:pt idx="10">
-                  <c:v>2018.3</c:v>
+                  <c:v>201804</c:v>
                 </c:pt>
                 <c:pt idx="11">
-                  <c:v>2018.4</c:v>
+                  <c:v>201805</c:v>
                 </c:pt>
               </c:numCache>
             </c:numRef>
@@ -558,40 +558,40 @@
                 <c:formatCode>General</c:formatCode>
                 <c:ptCount val="12"/>
                 <c:pt idx="0">
-                  <c:v>26505</c:v>
+                  <c:v>25472</c:v>
                 </c:pt>
                 <c:pt idx="1">
-                  <c:v>25472</c:v>
+                  <c:v>24709</c:v>
                 </c:pt>
                 <c:pt idx="2">
-                  <c:v>24709</c:v>
+                  <c:v>22895</c:v>
                 </c:pt>
                 <c:pt idx="3">
-                  <c:v>22895</c:v>
+                  <c:v>27603</c:v>
                 </c:pt>
                 <c:pt idx="4">
-                  <c:v>27603</c:v>
+                  <c:v>24024</c:v>
                 </c:pt>
                 <c:pt idx="5">
-                  <c:v>24024</c:v>
+                  <c:v>24717</c:v>
                 </c:pt>
                 <c:pt idx="6">
-                  <c:v>24717</c:v>
+                  <c:v>26590</c:v>
                 </c:pt>
                 <c:pt idx="7">
-                  <c:v>26590</c:v>
+                  <c:v>26728</c:v>
                 </c:pt>
                 <c:pt idx="8">
-                  <c:v>26728</c:v>
+                  <c:v>25196</c:v>
                 </c:pt>
                 <c:pt idx="9">
-                  <c:v>25196</c:v>
+                  <c:v>24765</c:v>
                 </c:pt>
                 <c:pt idx="10">
-                  <c:v>24765</c:v>
+                  <c:v>27839</c:v>
                 </c:pt>
                 <c:pt idx="11">
-                  <c:v>27839</c:v>
+                  <c:v>25861</c:v>
                 </c:pt>
               </c:numCache>
             </c:numRef>
@@ -851,7 +851,7 @@
                   <c:v>144-180㎡</c:v>
                 </c:pt>
                 <c:pt idx="4">
-                  <c:v>180㎡以上</c:v>
+                  <c:v>180+㎡</c:v>
                 </c:pt>
               </c:strCache>
             </c:strRef>
@@ -863,19 +863,19 @@
                 <c:formatCode>General</c:formatCode>
                 <c:ptCount val="5"/>
                 <c:pt idx="0">
-                  <c:v>1.88</c:v>
+                  <c:v>69.52</c:v>
                 </c:pt>
                 <c:pt idx="1">
-                  <c:v>70.91</c:v>
+                  <c:v>94.5</c:v>
                 </c:pt>
                 <c:pt idx="2">
-                  <c:v>169.89</c:v>
+                  <c:v>81.23</c:v>
                 </c:pt>
                 <c:pt idx="3">
-                  <c:v>29.8</c:v>
+                  <c:v>33.49</c:v>
                 </c:pt>
                 <c:pt idx="4">
-                  <c:v>124.48</c:v>
+                  <c:v>120.48</c:v>
                 </c:pt>
               </c:numCache>
             </c:numRef>
@@ -957,7 +957,7 @@
                   <c:v>144-180㎡</c:v>
                 </c:pt>
                 <c:pt idx="4">
-                  <c:v>180㎡以上</c:v>
+                  <c:v>180+㎡</c:v>
                 </c:pt>
               </c:strCache>
             </c:strRef>
@@ -969,19 +969,19 @@
                 <c:formatCode>General</c:formatCode>
                 <c:ptCount val="5"/>
                 <c:pt idx="0">
-                  <c:v>0.21</c:v>
+                  <c:v>2.62</c:v>
                 </c:pt>
                 <c:pt idx="1">
-                  <c:v>8.11</c:v>
+                  <c:v>3.55</c:v>
                 </c:pt>
                 <c:pt idx="2">
-                  <c:v>17.940000000000001</c:v>
+                  <c:v>3.46</c:v>
                 </c:pt>
                 <c:pt idx="3">
-                  <c:v>13.31</c:v>
+                  <c:v>4.9000000000000004</c:v>
                 </c:pt>
                 <c:pt idx="4">
-                  <c:v>22.84</c:v>
+                  <c:v>6</c:v>
                 </c:pt>
               </c:numCache>
             </c:numRef>
@@ -1049,7 +1049,7 @@
                   <c:v>144-180㎡</c:v>
                 </c:pt>
                 <c:pt idx="4">
-                  <c:v>180㎡以上</c:v>
+                  <c:v>180+㎡</c:v>
                 </c:pt>
               </c:strCache>
             </c:strRef>
@@ -1061,19 +1061,19 @@
                 <c:formatCode>General</c:formatCode>
                 <c:ptCount val="5"/>
                 <c:pt idx="0">
-                  <c:v>0.14000000000000001</c:v>
+                  <c:v>0.45</c:v>
                 </c:pt>
                 <c:pt idx="1">
-                  <c:v>4.47</c:v>
+                  <c:v>0.52</c:v>
                 </c:pt>
                 <c:pt idx="2">
-                  <c:v>10.69</c:v>
+                  <c:v>0.46</c:v>
                 </c:pt>
                 <c:pt idx="3">
-                  <c:v>6.88</c:v>
+                  <c:v>0.69</c:v>
                 </c:pt>
                 <c:pt idx="4">
-                  <c:v>18.239999999999998</c:v>
+                  <c:v>1.53</c:v>
                 </c:pt>
               </c:numCache>
             </c:numRef>
@@ -1141,7 +1141,7 @@
                   <c:v>144-180㎡</c:v>
                 </c:pt>
                 <c:pt idx="4">
-                  <c:v>180㎡以上</c:v>
+                  <c:v>180+㎡</c:v>
                 </c:pt>
               </c:strCache>
             </c:strRef>
@@ -1156,16 +1156,16 @@
                   <c:v>0.08</c:v>
                 </c:pt>
                 <c:pt idx="1">
-                  <c:v>2.75</c:v>
+                  <c:v>0.1</c:v>
                 </c:pt>
                 <c:pt idx="2">
-                  <c:v>8.77</c:v>
+                  <c:v>0.12</c:v>
                 </c:pt>
                 <c:pt idx="3">
-                  <c:v>5.85</c:v>
+                  <c:v>0.18</c:v>
                 </c:pt>
                 <c:pt idx="4">
-                  <c:v>9.8699999999999992</c:v>
+                  <c:v>0.27</c:v>
                 </c:pt>
               </c:numCache>
             </c:numRef>
@@ -2063,7 +2063,7 @@
             <a:fld id="{216D6912-8724-4590-95E8-79A5C611274C}" type="datetimeFigureOut">
               <a:rPr lang="zh-CN" altLang="en-US" smtClean="0"/>
               <a:pPr/>
-              <a:t>2018/4/27 Friday</a:t>
+              <a:t>2018/5/30 Wednesday</a:t>
             </a:fld>
             <a:endParaRPr lang="zh-CN" altLang="en-US"/>
           </a:p>
@@ -2231,7 +2231,7 @@
             <a:fld id="{FE522D91-C99B-45C5-89C9-879615FC43DC}" type="datetimeFigureOut">
               <a:rPr lang="zh-CN" altLang="en-US" smtClean="0"/>
               <a:pPr/>
-              <a:t>2018/4/27 Friday</a:t>
+              <a:t>2018/5/30 Wednesday</a:t>
             </a:fld>
             <a:endParaRPr lang="zh-CN" altLang="en-US"/>
           </a:p>
@@ -3341,7 +3341,7 @@
           <a:graphicData uri="http://schemas.openxmlformats.org/presentationml/2006/ole">
             <mc:AlternateContent xmlns:mc="http://schemas.openxmlformats.org/markup-compatibility/2006">
               <mc:Choice xmlns:v="urn:schemas-microsoft-com:vml" Requires="v">
-                <p:oleObj spid="_x0000_s208221" name="think-cell Slide" r:id="rId6" imgW="360" imgH="360" progId="">
+                <p:oleObj spid="_x0000_s208229" name="think-cell Slide" r:id="rId6" imgW="360" imgH="360" progId="">
                   <p:embed/>
                 </p:oleObj>
               </mc:Choice>
@@ -4972,7 +4972,7 @@
           <p:nvPr>
             <p:extLst>
               <p:ext uri="{D42A27DB-BD31-4B8C-83A1-F6EECF244321}">
-                <p14:modId xmlns:p14="http://schemas.microsoft.com/office/powerpoint/2010/main" val="3976619776"/>
+                <p14:modId xmlns:p14="http://schemas.microsoft.com/office/powerpoint/2010/main" val="1071147221"/>
               </p:ext>
             </p:extLst>
           </p:nvPr>
@@ -5047,7 +5047,7 @@
                 <a:latin typeface="微软雅黑" panose="020B0503020204020204" pitchFamily="34" charset="-122"/>
                 <a:ea typeface="微软雅黑" panose="020B0503020204020204" pitchFamily="34" charset="-122"/>
               </a:rPr>
-              <a:t>397</a:t>
+              <a:t>399</a:t>
             </a:r>
             <a:r>
               <a:rPr lang="zh-CN" altLang="en-US" sz="1200" b="1" dirty="0">
@@ -5107,7 +5107,7 @@
                 <a:latin typeface="微软雅黑" panose="020B0503020204020204" pitchFamily="34" charset="-122"/>
                 <a:ea typeface="微软雅黑" panose="020B0503020204020204" pitchFamily="34" charset="-122"/>
               </a:rPr>
-              <a:t>11.4</a:t>
+              <a:t>3.9</a:t>
             </a:r>
             <a:r>
               <a:rPr lang="zh-CN" altLang="en-US" sz="1200" b="1" dirty="0">
@@ -5147,7 +5147,7 @@
                 <a:latin typeface="微软雅黑" panose="020B0503020204020204" pitchFamily="34" charset="-122"/>
                 <a:ea typeface="微软雅黑" panose="020B0503020204020204" pitchFamily="34" charset="-122"/>
               </a:rPr>
-              <a:t>7.1</a:t>
+              <a:t>0.6</a:t>
             </a:r>
             <a:r>
               <a:rPr lang="zh-CN" altLang="en-US" sz="1200" b="1" dirty="0">
@@ -5187,7 +5187,7 @@
                 <a:latin typeface="微软雅黑" panose="020B0503020204020204" pitchFamily="34" charset="-122"/>
                 <a:ea typeface="微软雅黑" panose="020B0503020204020204" pitchFamily="34" charset="-122"/>
               </a:rPr>
-              <a:t>4.5</a:t>
+              <a:t>0.1</a:t>
             </a:r>
             <a:r>
               <a:rPr lang="zh-CN" altLang="en-US" sz="1200" b="1" dirty="0">
@@ -5197,7 +5197,7 @@
                 <a:latin typeface="微软雅黑" panose="020B0503020204020204" pitchFamily="34" charset="-122"/>
                 <a:ea typeface="微软雅黑" panose="020B0503020204020204" pitchFamily="34" charset="-122"/>
               </a:rPr>
-              <a:t>个月 </a:t>
+              <a:t>个月</a:t>
             </a:r>
             <a:endParaRPr lang="zh-CN" altLang="en-US" sz="1200" b="1" dirty="0">
               <a:solidFill>
@@ -5285,25 +5285,18 @@
           <a:lstStyle/>
           <a:p>
             <a:r>
+              <a:rPr lang="zh-CN" altLang="en-US" sz="1600" b="1" dirty="0">
+                <a:latin typeface="微软雅黑" pitchFamily="34" charset="-122"/>
+                <a:ea typeface="微软雅黑" pitchFamily="34" charset="-122"/>
+              </a:rPr>
+              <a:t>上市</a:t>
+            </a:r>
+            <a:r>
               <a:rPr lang="en-US" altLang="zh-CN" sz="1600" b="1" dirty="0">
                 <a:latin typeface="微软雅黑" pitchFamily="34" charset="-122"/>
                 <a:ea typeface="微软雅黑" pitchFamily="34" charset="-122"/>
               </a:rPr>
-              <a:t>3</a:t>
-            </a:r>
-            <a:r>
-              <a:rPr lang="zh-CN" altLang="en-US" sz="1600" b="1" dirty="0">
-                <a:latin typeface="微软雅黑" pitchFamily="34" charset="-122"/>
-                <a:ea typeface="微软雅黑" pitchFamily="34" charset="-122"/>
-              </a:rPr>
-              <a:t>月整体市场供应</a:t>
-            </a:r>
-            <a:r>
-              <a:rPr lang="en-US" altLang="zh-CN" sz="1600" b="1" dirty="0">
-                <a:latin typeface="微软雅黑" pitchFamily="34" charset="-122"/>
-                <a:ea typeface="微软雅黑" pitchFamily="34" charset="-122"/>
-              </a:rPr>
-              <a:t>34</a:t>
+              <a:t>38</a:t>
             </a:r>
             <a:r>
               <a:rPr lang="zh-CN" altLang="en-US" sz="1600" b="1" dirty="0">
@@ -5317,7 +5310,7 @@
                 <a:latin typeface="微软雅黑" pitchFamily="34" charset="-122"/>
                 <a:ea typeface="微软雅黑" pitchFamily="34" charset="-122"/>
               </a:rPr>
-              <a:t>84%</a:t>
+              <a:t>11%</a:t>
             </a:r>
             <a:r>
               <a:rPr lang="zh-CN" altLang="en-US" sz="1600" b="1" dirty="0">
@@ -5331,21 +5324,21 @@
                 <a:latin typeface="微软雅黑" pitchFamily="34" charset="-122"/>
                 <a:ea typeface="微软雅黑" pitchFamily="34" charset="-122"/>
               </a:rPr>
-              <a:t>38</a:t>
+              <a:t>36</a:t>
             </a:r>
             <a:r>
               <a:rPr lang="zh-CN" altLang="en-US" sz="1600" b="1" dirty="0">
                 <a:latin typeface="微软雅黑" pitchFamily="34" charset="-122"/>
                 <a:ea typeface="微软雅黑" pitchFamily="34" charset="-122"/>
               </a:rPr>
-              <a:t>万㎡，环比增长</a:t>
+              <a:t>万㎡，环比下降</a:t>
             </a:r>
             <a:r>
               <a:rPr lang="en-US" altLang="zh-CN" sz="1600" b="1" dirty="0">
                 <a:latin typeface="微软雅黑" pitchFamily="34" charset="-122"/>
                 <a:ea typeface="微软雅黑" pitchFamily="34" charset="-122"/>
               </a:rPr>
-              <a:t>27%</a:t>
+              <a:t>6%</a:t>
             </a:r>
             <a:r>
               <a:rPr lang="zh-CN" altLang="en-US" sz="1600" b="1" dirty="0">
@@ -5359,7 +5352,7 @@
                 <a:latin typeface="微软雅黑" pitchFamily="34" charset="-122"/>
                 <a:ea typeface="微软雅黑" pitchFamily="34" charset="-122"/>
               </a:rPr>
-              <a:t>27839</a:t>
+              <a:t>25861</a:t>
             </a:r>
             <a:r>
               <a:rPr lang="zh-CN" altLang="en-US" sz="1600" b="1" dirty="0">
@@ -5380,14 +5373,14 @@
                 <a:latin typeface="微软雅黑" pitchFamily="34" charset="-122"/>
                 <a:ea typeface="微软雅黑" pitchFamily="34" charset="-122"/>
               </a:rPr>
-              <a:t>，环比增长</a:t>
+              <a:t>，环比下降</a:t>
             </a:r>
             <a:r>
               <a:rPr lang="en-US" altLang="zh-CN" sz="1600" b="1" dirty="0">
                 <a:latin typeface="微软雅黑" pitchFamily="34" charset="-122"/>
                 <a:ea typeface="微软雅黑" pitchFamily="34" charset="-122"/>
               </a:rPr>
-              <a:t>12%</a:t>
+              <a:t>7%</a:t>
             </a:r>
             <a:r>
               <a:rPr lang="zh-CN" altLang="en-US" sz="1600" b="1" dirty="0">
@@ -5401,7 +5394,7 @@
                 <a:latin typeface="微软雅黑" pitchFamily="34" charset="-122"/>
                 <a:ea typeface="微软雅黑" pitchFamily="34" charset="-122"/>
               </a:rPr>
-              <a:t>4</a:t>
+              <a:t>5</a:t>
             </a:r>
             <a:r>
               <a:rPr lang="zh-CN" altLang="en-US" sz="1600" b="1" dirty="0">
@@ -5415,7 +5408,7 @@
                 <a:latin typeface="微软雅黑" pitchFamily="34" charset="-122"/>
                 <a:ea typeface="微软雅黑" pitchFamily="34" charset="-122"/>
               </a:rPr>
-              <a:t>397</a:t>
+              <a:t>399</a:t>
             </a:r>
             <a:r>
               <a:rPr lang="zh-CN" altLang="en-US" sz="1600" b="1" dirty="0">
@@ -5429,7 +5422,7 @@
                 <a:latin typeface="微软雅黑" pitchFamily="34" charset="-122"/>
                 <a:ea typeface="微软雅黑" pitchFamily="34" charset="-122"/>
               </a:rPr>
-              <a:t>7.1</a:t>
+              <a:t>7.0</a:t>
             </a:r>
             <a:r>
               <a:rPr lang="zh-CN" altLang="en-US" sz="1600" b="1" dirty="0">
@@ -5556,7 +5549,7 @@
                 <a:latin typeface="微软雅黑" panose="020B0503020204020204" pitchFamily="34" charset="-122"/>
                 <a:ea typeface="微软雅黑" panose="020B0503020204020204" pitchFamily="34" charset="-122"/>
               </a:rPr>
-              <a:t>52</a:t>
+              <a:t>53</a:t>
             </a:r>
             <a:r>
               <a:rPr lang="zh-CN" altLang="en-US" sz="1200" b="1" dirty="0">
@@ -5579,7 +5572,7 @@
         </p:nvCxnSpPr>
         <p:spPr>
           <a:xfrm>
-            <a:off x="1224112" y="2565698"/>
+            <a:off x="1224112" y="2589508"/>
             <a:ext cx="8229600" cy="0"/>
           </a:xfrm>
           <a:prstGeom prst="line">
@@ -5746,7 +5739,7 @@
                 <a:latin typeface="微软雅黑" panose="020B0503020204020204" pitchFamily="34" charset="-122"/>
                 <a:ea typeface="微软雅黑" panose="020B0503020204020204" pitchFamily="34" charset="-122"/>
               </a:rPr>
-              <a:t>56</a:t>
+              <a:t>53</a:t>
             </a:r>
             <a:r>
               <a:rPr lang="zh-CN" altLang="en-US" sz="1200" b="1" dirty="0">
@@ -5774,7 +5767,7 @@
           <p:nvPr>
             <p:extLst>
               <p:ext uri="{D42A27DB-BD31-4B8C-83A1-F6EECF244321}">
-                <p14:modId xmlns:p14="http://schemas.microsoft.com/office/powerpoint/2010/main" val="3661907622"/>
+                <p14:modId xmlns:p14="http://schemas.microsoft.com/office/powerpoint/2010/main" val="1035643918"/>
               </p:ext>
             </p:extLst>
           </p:nvPr>
@@ -5911,7 +5904,7 @@
                 <a:latin typeface="微软雅黑" panose="020B0503020204020204" pitchFamily="34" charset="-122"/>
                 <a:ea typeface="微软雅黑" panose="020B0503020204020204" pitchFamily="34" charset="-122"/>
               </a:rPr>
-              <a:t>144</a:t>
+              <a:t>120</a:t>
             </a:r>
             <a:r>
               <a:rPr lang="zh-CN" altLang="en-US" sz="1600" b="1" dirty="0">
@@ -5939,14 +5932,14 @@
                 <a:latin typeface="微软雅黑" panose="020B0503020204020204" pitchFamily="34" charset="-122"/>
                 <a:ea typeface="微软雅黑" panose="020B0503020204020204" pitchFamily="34" charset="-122"/>
               </a:rPr>
-              <a:t>200</a:t>
+              <a:t>150-250</a:t>
             </a:r>
             <a:r>
               <a:rPr lang="zh-CN" altLang="en-US" sz="1600" b="1" dirty="0">
                 <a:latin typeface="微软雅黑" panose="020B0503020204020204" pitchFamily="34" charset="-122"/>
                 <a:ea typeface="微软雅黑" panose="020B0503020204020204" pitchFamily="34" charset="-122"/>
               </a:rPr>
-              <a:t>万以下，</a:t>
+              <a:t>万，</a:t>
             </a:r>
             <a:r>
               <a:rPr lang="en-US" altLang="zh-CN" sz="1600" b="1" dirty="0">
@@ -5967,7 +5960,7 @@
                 <a:latin typeface="微软雅黑" panose="020B0503020204020204" pitchFamily="34" charset="-122"/>
                 <a:ea typeface="微软雅黑" panose="020B0503020204020204" pitchFamily="34" charset="-122"/>
               </a:rPr>
-              <a:t>120-300</a:t>
+              <a:t>200-300</a:t>
             </a:r>
             <a:r>
               <a:rPr lang="zh-CN" altLang="en-US" sz="1600" b="1" dirty="0">
@@ -5981,28 +5974,28 @@
                 <a:latin typeface="微软雅黑" panose="020B0503020204020204" pitchFamily="34" charset="-122"/>
                 <a:ea typeface="微软雅黑" panose="020B0503020204020204" pitchFamily="34" charset="-122"/>
               </a:rPr>
-              <a:t> 120-144</a:t>
+              <a:t> 180</a:t>
             </a:r>
             <a:r>
               <a:rPr lang="zh-CN" altLang="en-US" sz="1600" b="1" dirty="0">
                 <a:latin typeface="微软雅黑" panose="020B0503020204020204" pitchFamily="34" charset="-122"/>
                 <a:ea typeface="微软雅黑" panose="020B0503020204020204" pitchFamily="34" charset="-122"/>
               </a:rPr>
-              <a:t>㎡成交总价段多集中在</a:t>
+              <a:t>㎡以上成交总价段多集中在</a:t>
             </a:r>
             <a:r>
               <a:rPr lang="en-US" altLang="zh-CN" sz="1600" b="1" dirty="0">
                 <a:latin typeface="微软雅黑" panose="020B0503020204020204" pitchFamily="34" charset="-122"/>
                 <a:ea typeface="微软雅黑" panose="020B0503020204020204" pitchFamily="34" charset="-122"/>
               </a:rPr>
-              <a:t>350-450</a:t>
+              <a:t>500</a:t>
             </a:r>
             <a:r>
               <a:rPr lang="zh-CN" altLang="en-US" sz="1600" b="1" dirty="0">
                 <a:latin typeface="微软雅黑" panose="020B0503020204020204" pitchFamily="34" charset="-122"/>
                 <a:ea typeface="微软雅黑" panose="020B0503020204020204" pitchFamily="34" charset="-122"/>
               </a:rPr>
-              <a:t>万。</a:t>
+              <a:t>万以上。</a:t>
             </a:r>
           </a:p>
         </p:txBody>
@@ -6022,7 +6015,7 @@
           <p:nvPr>
             <p:extLst>
               <p:ext uri="{D42A27DB-BD31-4B8C-83A1-F6EECF244321}">
-                <p14:modId xmlns:p14="http://schemas.microsoft.com/office/powerpoint/2010/main" val="576706606"/>
+                <p14:modId xmlns:p14="http://schemas.microsoft.com/office/powerpoint/2010/main" val="4215571814"/>
               </p:ext>
             </p:extLst>
           </p:nvPr>
@@ -6341,7 +6334,7 @@
                           <a:latin typeface="微软雅黑" panose="020B0503020204020204" pitchFamily="34" charset="-122"/>
                           <a:ea typeface="微软雅黑" panose="020B0503020204020204" pitchFamily="34" charset="-122"/>
                         </a:rPr>
-                        <a:t>总计段</a:t>
+                        <a:t>总价段</a:t>
                       </a:r>
                       <a:r>
                         <a:rPr lang="en-US" altLang="zh-CN" sz="1400" b="0" i="0" u="none" strike="noStrike" dirty="0">
@@ -6555,6 +6548,49 @@
                     <a:p>
                       <a:pPr marL="0" algn="ctr" defTabSz="1051286" rtl="0" eaLnBrk="1" fontAlgn="ctr" latinLnBrk="0" hangingPunct="1"/>
                       <a:r>
+                        <a:rPr lang="en-US" altLang="zh-CN" sz="1400" u="none" strike="noStrike" kern="1200" dirty="0">
+                          <a:solidFill>
+                            <a:schemeClr val="tx1"/>
+                          </a:solidFill>
+                          <a:effectLst/>
+                          <a:latin typeface="微软雅黑" panose="020B0503020204020204" pitchFamily="34" charset="-122"/>
+                          <a:ea typeface="微软雅黑" panose="020B0503020204020204" pitchFamily="34" charset="-122"/>
+                          <a:cs typeface="+mn-cs"/>
+                        </a:rPr>
+                        <a:t>100</a:t>
+                      </a:r>
+                      <a:r>
+                        <a:rPr lang="zh-CN" altLang="en-US" sz="1400" u="none" strike="noStrike" kern="1200" dirty="0">
+                          <a:solidFill>
+                            <a:schemeClr val="tx1"/>
+                          </a:solidFill>
+                          <a:effectLst/>
+                          <a:latin typeface="微软雅黑" panose="020B0503020204020204" pitchFamily="34" charset="-122"/>
+                          <a:ea typeface="微软雅黑" panose="020B0503020204020204" pitchFamily="34" charset="-122"/>
+                          <a:cs typeface="+mn-cs"/>
+                        </a:rPr>
+                        <a:t>万以下</a:t>
+                      </a:r>
+                      <a:endParaRPr lang="en-US" altLang="zh-CN" sz="1400" u="none" strike="noStrike" kern="1200" dirty="0">
+                        <a:solidFill>
+                          <a:schemeClr val="tx1"/>
+                        </a:solidFill>
+                        <a:effectLst/>
+                        <a:latin typeface="微软雅黑" panose="020B0503020204020204" pitchFamily="34" charset="-122"/>
+                        <a:ea typeface="微软雅黑" panose="020B0503020204020204" pitchFamily="34" charset="-122"/>
+                        <a:cs typeface="+mn-cs"/>
+                      </a:endParaRPr>
+                    </a:p>
+                  </a:txBody>
+                  <a:tcPr marL="57150" marR="57150" marT="57150" marB="57150" anchor="ctr"/>
+                </a:tc>
+                <a:tc>
+                  <a:txBody>
+                    <a:bodyPr/>
+                    <a:lstStyle/>
+                    <a:p>
+                      <a:pPr marL="0" algn="ctr" defTabSz="1051286" rtl="0" eaLnBrk="1" fontAlgn="ctr" latinLnBrk="0" hangingPunct="1"/>
+                      <a:r>
                         <a:rPr lang="en-US" altLang="zh-CN" sz="1400" u="none" strike="noStrike" kern="1200">
                           <a:solidFill>
                             <a:schemeClr val="tx1"/>
@@ -6564,10 +6600,20 @@
                           <a:ea typeface="微软雅黑" panose="020B0503020204020204" pitchFamily="34" charset="-122"/>
                           <a:cs typeface="+mn-cs"/>
                         </a:rPr>
-                        <a:t>100</a:t>
-                      </a:r>
-                      <a:r>
-                        <a:rPr lang="zh-CN" altLang="en-US" sz="1400" u="none" strike="noStrike" kern="1200">
+                        <a:t>34</a:t>
+                      </a:r>
+                    </a:p>
+                  </a:txBody>
+                  <a:tcPr marL="57150" marR="57150" marT="57150" marB="57150" anchor="ctr"/>
+                </a:tc>
+                <a:tc>
+                  <a:txBody>
+                    <a:bodyPr/>
+                    <a:lstStyle/>
+                    <a:p>
+                      <a:pPr marL="0" algn="ctr" defTabSz="1051286" rtl="0" eaLnBrk="1" fontAlgn="ctr" latinLnBrk="0" hangingPunct="1"/>
+                      <a:r>
+                        <a:rPr lang="en-US" altLang="zh-CN" sz="1400" u="none" strike="noStrike" kern="1200">
                           <a:solidFill>
                             <a:schemeClr val="tx1"/>
                           </a:solidFill>
@@ -6576,11 +6622,11 @@
                           <a:ea typeface="微软雅黑" panose="020B0503020204020204" pitchFamily="34" charset="-122"/>
                           <a:cs typeface="+mn-cs"/>
                         </a:rPr>
-                        <a:t>万以下</a:t>
-                      </a:r>
-                    </a:p>
-                  </a:txBody>
-                  <a:tcPr marL="57150" marR="57150" marT="57150" marB="57150"/>
+                        <a:t>27</a:t>
+                      </a:r>
+                    </a:p>
+                  </a:txBody>
+                  <a:tcPr marL="57150" marR="57150" marT="57150" marB="57150" anchor="ctr"/>
                 </a:tc>
                 <a:tc>
                   <a:txBody>
@@ -6598,7 +6644,7 @@
                           <a:ea typeface="微软雅黑" panose="020B0503020204020204" pitchFamily="34" charset="-122"/>
                           <a:cs typeface="+mn-cs"/>
                         </a:rPr>
-                        <a:t>203</a:t>
+                        <a:t>0</a:t>
                       </a:r>
                     </a:p>
                   </a:txBody>
@@ -6620,7 +6666,7 @@
                           <a:ea typeface="微软雅黑" panose="020B0503020204020204" pitchFamily="34" charset="-122"/>
                           <a:cs typeface="+mn-cs"/>
                         </a:rPr>
-                        <a:t>94</a:t>
+                        <a:t>0</a:t>
                       </a:r>
                     </a:p>
                   </a:txBody>
@@ -6642,7 +6688,7 @@
                           <a:ea typeface="微软雅黑" panose="020B0503020204020204" pitchFamily="34" charset="-122"/>
                           <a:cs typeface="+mn-cs"/>
                         </a:rPr>
-                        <a:t>14</a:t>
+                        <a:t>4</a:t>
                       </a:r>
                     </a:p>
                   </a:txBody>
@@ -6664,51 +6710,7 @@
                           <a:ea typeface="微软雅黑" panose="020B0503020204020204" pitchFamily="34" charset="-122"/>
                           <a:cs typeface="+mn-cs"/>
                         </a:rPr>
-                        <a:t>2</a:t>
-                      </a:r>
-                    </a:p>
-                  </a:txBody>
-                  <a:tcPr marL="57150" marR="57150" marT="57150" marB="57150" anchor="ctr"/>
-                </a:tc>
-                <a:tc>
-                  <a:txBody>
-                    <a:bodyPr/>
-                    <a:lstStyle/>
-                    <a:p>
-                      <a:pPr marL="0" algn="ctr" defTabSz="1051286" rtl="0" eaLnBrk="1" fontAlgn="ctr" latinLnBrk="0" hangingPunct="1"/>
-                      <a:r>
-                        <a:rPr lang="en-US" altLang="zh-CN" sz="1400" u="none" strike="noStrike" kern="1200">
-                          <a:solidFill>
-                            <a:schemeClr val="tx1"/>
-                          </a:solidFill>
-                          <a:effectLst/>
-                          <a:latin typeface="微软雅黑" panose="020B0503020204020204" pitchFamily="34" charset="-122"/>
-                          <a:ea typeface="微软雅黑" panose="020B0503020204020204" pitchFamily="34" charset="-122"/>
-                          <a:cs typeface="+mn-cs"/>
-                        </a:rPr>
-                        <a:t>0</a:t>
-                      </a:r>
-                    </a:p>
-                  </a:txBody>
-                  <a:tcPr marL="57150" marR="57150" marT="57150" marB="57150" anchor="ctr"/>
-                </a:tc>
-                <a:tc>
-                  <a:txBody>
-                    <a:bodyPr/>
-                    <a:lstStyle/>
-                    <a:p>
-                      <a:pPr marL="0" algn="ctr" defTabSz="1051286" rtl="0" eaLnBrk="1" fontAlgn="ctr" latinLnBrk="0" hangingPunct="1"/>
-                      <a:r>
-                        <a:rPr lang="en-US" altLang="zh-CN" sz="1400" u="none" strike="noStrike" kern="1200">
-                          <a:solidFill>
-                            <a:schemeClr val="tx1"/>
-                          </a:solidFill>
-                          <a:effectLst/>
-                          <a:latin typeface="微软雅黑" panose="020B0503020204020204" pitchFamily="34" charset="-122"/>
-                          <a:ea typeface="微软雅黑" panose="020B0503020204020204" pitchFamily="34" charset="-122"/>
-                          <a:cs typeface="+mn-cs"/>
-                        </a:rPr>
-                        <a:t>314</a:t>
+                        <a:t>65</a:t>
                       </a:r>
                     </a:p>
                   </a:txBody>
@@ -6741,7 +6743,7 @@
                       </a:r>
                     </a:p>
                   </a:txBody>
-                  <a:tcPr marL="57150" marR="57150" marT="57150" marB="57150"/>
+                  <a:tcPr marL="57150" marR="57150" marT="57150" marB="57150" anchor="ctr"/>
                 </a:tc>
                 <a:tc>
                   <a:txBody>
@@ -6759,7 +6761,7 @@
                           <a:ea typeface="微软雅黑" panose="020B0503020204020204" pitchFamily="34" charset="-122"/>
                           <a:cs typeface="+mn-cs"/>
                         </a:rPr>
-                        <a:t>98</a:t>
+                        <a:t>42</a:t>
                       </a:r>
                     </a:p>
                   </a:txBody>
@@ -6781,7 +6783,7 @@
                           <a:ea typeface="微软雅黑" panose="020B0503020204020204" pitchFamily="34" charset="-122"/>
                           <a:cs typeface="+mn-cs"/>
                         </a:rPr>
-                        <a:t>62</a:t>
+                        <a:t>24</a:t>
                       </a:r>
                     </a:p>
                   </a:txBody>
@@ -6803,7 +6805,7 @@
                           <a:ea typeface="微软雅黑" panose="020B0503020204020204" pitchFamily="34" charset="-122"/>
                           <a:cs typeface="+mn-cs"/>
                         </a:rPr>
-                        <a:t>15</a:t>
+                        <a:t>1</a:t>
                       </a:r>
                     </a:p>
                   </a:txBody>
@@ -6825,7 +6827,7 @@
                           <a:ea typeface="微软雅黑" panose="020B0503020204020204" pitchFamily="34" charset="-122"/>
                           <a:cs typeface="+mn-cs"/>
                         </a:rPr>
-                        <a:t>3</a:t>
+                        <a:t>2</a:t>
                       </a:r>
                     </a:p>
                   </a:txBody>
@@ -6869,7 +6871,7 @@
                           <a:ea typeface="微软雅黑" panose="020B0503020204020204" pitchFamily="34" charset="-122"/>
                           <a:cs typeface="+mn-cs"/>
                         </a:rPr>
-                        <a:t>179</a:t>
+                        <a:t>69</a:t>
                       </a:r>
                     </a:p>
                   </a:txBody>
@@ -6902,7 +6904,7 @@
                       </a:r>
                     </a:p>
                   </a:txBody>
-                  <a:tcPr marL="57150" marR="57150" marT="57150" marB="57150"/>
+                  <a:tcPr marL="57150" marR="57150" marT="57150" marB="57150" anchor="ctr"/>
                 </a:tc>
                 <a:tc>
                   <a:txBody>
@@ -6920,7 +6922,7 @@
                           <a:ea typeface="微软雅黑" panose="020B0503020204020204" pitchFamily="34" charset="-122"/>
                           <a:cs typeface="+mn-cs"/>
                         </a:rPr>
-                        <a:t>119</a:t>
+                        <a:t>55</a:t>
                       </a:r>
                     </a:p>
                   </a:txBody>
@@ -6942,7 +6944,7 @@
                           <a:ea typeface="微软雅黑" panose="020B0503020204020204" pitchFamily="34" charset="-122"/>
                           <a:cs typeface="+mn-cs"/>
                         </a:rPr>
-                        <a:t>103</a:t>
+                        <a:t>22</a:t>
                       </a:r>
                     </a:p>
                   </a:txBody>
@@ -6964,7 +6966,7 @@
                           <a:ea typeface="微软雅黑" panose="020B0503020204020204" pitchFamily="34" charset="-122"/>
                           <a:cs typeface="+mn-cs"/>
                         </a:rPr>
-                        <a:t>25</a:t>
+                        <a:t>8</a:t>
                       </a:r>
                     </a:p>
                   </a:txBody>
@@ -6986,7 +6988,7 @@
                           <a:ea typeface="微软雅黑" panose="020B0503020204020204" pitchFamily="34" charset="-122"/>
                           <a:cs typeface="+mn-cs"/>
                         </a:rPr>
-                        <a:t>3</a:t>
+                        <a:t>1</a:t>
                       </a:r>
                     </a:p>
                   </a:txBody>
@@ -7008,7 +7010,7 @@
                           <a:ea typeface="微软雅黑" panose="020B0503020204020204" pitchFamily="34" charset="-122"/>
                           <a:cs typeface="+mn-cs"/>
                         </a:rPr>
-                        <a:t>3</a:t>
+                        <a:t>0</a:t>
                       </a:r>
                     </a:p>
                   </a:txBody>
@@ -7030,7 +7032,7 @@
                           <a:ea typeface="微软雅黑" panose="020B0503020204020204" pitchFamily="34" charset="-122"/>
                           <a:cs typeface="+mn-cs"/>
                         </a:rPr>
-                        <a:t>253</a:t>
+                        <a:t>86</a:t>
                       </a:r>
                     </a:p>
                   </a:txBody>
@@ -7063,7 +7065,7 @@
                       </a:r>
                     </a:p>
                   </a:txBody>
-                  <a:tcPr marL="57150" marR="57150" marT="57150" marB="57150"/>
+                  <a:tcPr marL="57150" marR="57150" marT="57150" marB="57150" anchor="ctr"/>
                 </a:tc>
                 <a:tc>
                   <a:txBody>
@@ -7081,7 +7083,7 @@
                           <a:ea typeface="微软雅黑" panose="020B0503020204020204" pitchFamily="34" charset="-122"/>
                           <a:cs typeface="+mn-cs"/>
                         </a:rPr>
-                        <a:t>135</a:t>
+                        <a:t>228</a:t>
                       </a:r>
                     </a:p>
                   </a:txBody>
@@ -7103,7 +7105,7 @@
                           <a:ea typeface="微软雅黑" panose="020B0503020204020204" pitchFamily="34" charset="-122"/>
                           <a:cs typeface="+mn-cs"/>
                         </a:rPr>
-                        <a:t>125</a:t>
+                        <a:t>72</a:t>
                       </a:r>
                     </a:p>
                   </a:txBody>
@@ -7125,7 +7127,7 @@
                           <a:ea typeface="微软雅黑" panose="020B0503020204020204" pitchFamily="34" charset="-122"/>
                           <a:cs typeface="+mn-cs"/>
                         </a:rPr>
-                        <a:t>61</a:t>
+                        <a:t>15</a:t>
                       </a:r>
                     </a:p>
                   </a:txBody>
@@ -7147,7 +7149,7 @@
                           <a:ea typeface="微软雅黑" panose="020B0503020204020204" pitchFamily="34" charset="-122"/>
                           <a:cs typeface="+mn-cs"/>
                         </a:rPr>
-                        <a:t>10</a:t>
+                        <a:t>4</a:t>
                       </a:r>
                     </a:p>
                   </a:txBody>
@@ -7169,7 +7171,7 @@
                           <a:ea typeface="微软雅黑" panose="020B0503020204020204" pitchFamily="34" charset="-122"/>
                           <a:cs typeface="+mn-cs"/>
                         </a:rPr>
-                        <a:t>6</a:t>
+                        <a:t>0</a:t>
                       </a:r>
                     </a:p>
                   </a:txBody>
@@ -7191,7 +7193,7 @@
                           <a:ea typeface="微软雅黑" panose="020B0503020204020204" pitchFamily="34" charset="-122"/>
                           <a:cs typeface="+mn-cs"/>
                         </a:rPr>
-                        <a:t>337</a:t>
+                        <a:t>319</a:t>
                       </a:r>
                     </a:p>
                   </a:txBody>
@@ -7224,7 +7226,7 @@
                       </a:r>
                     </a:p>
                   </a:txBody>
-                  <a:tcPr marL="57150" marR="57150" marT="57150" marB="57150"/>
+                  <a:tcPr marL="57150" marR="57150" marT="57150" marB="57150" anchor="ctr"/>
                 </a:tc>
                 <a:tc>
                   <a:txBody>
@@ -7242,7 +7244,7 @@
                           <a:ea typeface="微软雅黑" panose="020B0503020204020204" pitchFamily="34" charset="-122"/>
                           <a:cs typeface="+mn-cs"/>
                         </a:rPr>
-                        <a:t>97</a:t>
+                        <a:t>629</a:t>
                       </a:r>
                     </a:p>
                   </a:txBody>
@@ -7264,7 +7266,7 @@
                           <a:ea typeface="微软雅黑" panose="020B0503020204020204" pitchFamily="34" charset="-122"/>
                           <a:cs typeface="+mn-cs"/>
                         </a:rPr>
-                        <a:t>131</a:t>
+                        <a:t>310</a:t>
                       </a:r>
                     </a:p>
                   </a:txBody>
@@ -7286,7 +7288,7 @@
                           <a:ea typeface="微软雅黑" panose="020B0503020204020204" pitchFamily="34" charset="-122"/>
                           <a:cs typeface="+mn-cs"/>
                         </a:rPr>
-                        <a:t>58</a:t>
+                        <a:t>12</a:t>
                       </a:r>
                     </a:p>
                   </a:txBody>
@@ -7308,7 +7310,7 @@
                           <a:ea typeface="微软雅黑" panose="020B0503020204020204" pitchFamily="34" charset="-122"/>
                           <a:cs typeface="+mn-cs"/>
                         </a:rPr>
-                        <a:t>13</a:t>
+                        <a:t>1</a:t>
                       </a:r>
                     </a:p>
                   </a:txBody>
@@ -7330,7 +7332,7 @@
                           <a:ea typeface="微软雅黑" panose="020B0503020204020204" pitchFamily="34" charset="-122"/>
                           <a:cs typeface="+mn-cs"/>
                         </a:rPr>
-                        <a:t>10</a:t>
+                        <a:t>2</a:t>
                       </a:r>
                     </a:p>
                   </a:txBody>
@@ -7352,7 +7354,7 @@
                           <a:ea typeface="微软雅黑" panose="020B0503020204020204" pitchFamily="34" charset="-122"/>
                           <a:cs typeface="+mn-cs"/>
                         </a:rPr>
-                        <a:t>308</a:t>
+                        <a:t>954</a:t>
                       </a:r>
                     </a:p>
                   </a:txBody>
@@ -7385,7 +7387,7 @@
                       </a:r>
                     </a:p>
                   </a:txBody>
-                  <a:tcPr marL="57150" marR="57150" marT="57150" marB="57150"/>
+                  <a:tcPr marL="57150" marR="57150" marT="57150" marB="57150" anchor="ctr"/>
                 </a:tc>
                 <a:tc>
                   <a:txBody>
@@ -7403,7 +7405,7 @@
                           <a:ea typeface="微软雅黑" panose="020B0503020204020204" pitchFamily="34" charset="-122"/>
                           <a:cs typeface="+mn-cs"/>
                         </a:rPr>
-                        <a:t>61</a:t>
+                        <a:t>84</a:t>
                       </a:r>
                     </a:p>
                   </a:txBody>
@@ -7425,7 +7427,7 @@
                           <a:ea typeface="微软雅黑" panose="020B0503020204020204" pitchFamily="34" charset="-122"/>
                           <a:cs typeface="+mn-cs"/>
                         </a:rPr>
-                        <a:t>114</a:t>
+                        <a:t>424</a:t>
                       </a:r>
                     </a:p>
                   </a:txBody>
@@ -7447,7 +7449,7 @@
                           <a:ea typeface="微软雅黑" panose="020B0503020204020204" pitchFamily="34" charset="-122"/>
                           <a:cs typeface="+mn-cs"/>
                         </a:rPr>
-                        <a:t>64</a:t>
+                        <a:t>63</a:t>
                       </a:r>
                     </a:p>
                   </a:txBody>
@@ -7469,7 +7471,7 @@
                           <a:ea typeface="微软雅黑" panose="020B0503020204020204" pitchFamily="34" charset="-122"/>
                           <a:cs typeface="+mn-cs"/>
                         </a:rPr>
-                        <a:t>13</a:t>
+                        <a:t>2</a:t>
                       </a:r>
                     </a:p>
                   </a:txBody>
@@ -7491,7 +7493,7 @@
                           <a:ea typeface="微软雅黑" panose="020B0503020204020204" pitchFamily="34" charset="-122"/>
                           <a:cs typeface="+mn-cs"/>
                         </a:rPr>
-                        <a:t>18</a:t>
+                        <a:t>4</a:t>
                       </a:r>
                     </a:p>
                   </a:txBody>
@@ -7513,7 +7515,7 @@
                           <a:ea typeface="微软雅黑" panose="020B0503020204020204" pitchFamily="34" charset="-122"/>
                           <a:cs typeface="+mn-cs"/>
                         </a:rPr>
-                        <a:t>270</a:t>
+                        <a:t>577</a:t>
                       </a:r>
                     </a:p>
                   </a:txBody>
@@ -7546,7 +7548,7 @@
                       </a:r>
                     </a:p>
                   </a:txBody>
-                  <a:tcPr marL="57150" marR="57150" marT="57150" marB="57150"/>
+                  <a:tcPr marL="57150" marR="57150" marT="57150" marB="57150" anchor="ctr"/>
                 </a:tc>
                 <a:tc>
                   <a:txBody>
@@ -7564,7 +7566,7 @@
                           <a:ea typeface="微软雅黑" panose="020B0503020204020204" pitchFamily="34" charset="-122"/>
                           <a:cs typeface="+mn-cs"/>
                         </a:rPr>
-                        <a:t>26</a:t>
+                        <a:t>15</a:t>
                       </a:r>
                     </a:p>
                   </a:txBody>
@@ -7586,7 +7588,7 @@
                           <a:ea typeface="微软雅黑" panose="020B0503020204020204" pitchFamily="34" charset="-122"/>
                           <a:cs typeface="+mn-cs"/>
                         </a:rPr>
-                        <a:t>85</a:t>
+                        <a:t>25</a:t>
                       </a:r>
                     </a:p>
                   </a:txBody>
@@ -7608,7 +7610,7 @@
                           <a:ea typeface="微软雅黑" panose="020B0503020204020204" pitchFamily="34" charset="-122"/>
                           <a:cs typeface="+mn-cs"/>
                         </a:rPr>
-                        <a:t>63</a:t>
+                        <a:t>162</a:t>
                       </a:r>
                     </a:p>
                   </a:txBody>
@@ -7630,7 +7632,7 @@
                           <a:ea typeface="微软雅黑" panose="020B0503020204020204" pitchFamily="34" charset="-122"/>
                           <a:cs typeface="+mn-cs"/>
                         </a:rPr>
-                        <a:t>11</a:t>
+                        <a:t>10</a:t>
                       </a:r>
                     </a:p>
                   </a:txBody>
@@ -7652,7 +7654,7 @@
                           <a:ea typeface="微软雅黑" panose="020B0503020204020204" pitchFamily="34" charset="-122"/>
                           <a:cs typeface="+mn-cs"/>
                         </a:rPr>
-                        <a:t>23</a:t>
+                        <a:t>3</a:t>
                       </a:r>
                     </a:p>
                   </a:txBody>
@@ -7674,7 +7676,7 @@
                           <a:ea typeface="微软雅黑" panose="020B0503020204020204" pitchFamily="34" charset="-122"/>
                           <a:cs typeface="+mn-cs"/>
                         </a:rPr>
-                        <a:t>209</a:t>
+                        <a:t>215</a:t>
                       </a:r>
                     </a:p>
                   </a:txBody>
@@ -7707,7 +7709,7 @@
                       </a:r>
                     </a:p>
                   </a:txBody>
-                  <a:tcPr marL="57150" marR="57150" marT="57150" marB="57150"/>
+                  <a:tcPr marL="57150" marR="57150" marT="57150" marB="57150" anchor="ctr"/>
                 </a:tc>
                 <a:tc>
                   <a:txBody>
@@ -7725,7 +7727,7 @@
                           <a:ea typeface="微软雅黑" panose="020B0503020204020204" pitchFamily="34" charset="-122"/>
                           <a:cs typeface="+mn-cs"/>
                         </a:rPr>
-                        <a:t>2</a:t>
+                        <a:t>0</a:t>
                       </a:r>
                     </a:p>
                   </a:txBody>
@@ -7747,7 +7749,7 @@
                           <a:ea typeface="微软雅黑" panose="020B0503020204020204" pitchFamily="34" charset="-122"/>
                           <a:cs typeface="+mn-cs"/>
                         </a:rPr>
-                        <a:t>40</a:t>
+                        <a:t>38</a:t>
                       </a:r>
                     </a:p>
                   </a:txBody>
@@ -7769,7 +7771,7 @@
                           <a:ea typeface="微软雅黑" panose="020B0503020204020204" pitchFamily="34" charset="-122"/>
                           <a:cs typeface="+mn-cs"/>
                         </a:rPr>
-                        <a:t>82</a:t>
+                        <a:t>112</a:t>
                       </a:r>
                     </a:p>
                   </a:txBody>
@@ -7791,7 +7793,7 @@
                           <a:ea typeface="微软雅黑" panose="020B0503020204020204" pitchFamily="34" charset="-122"/>
                           <a:cs typeface="+mn-cs"/>
                         </a:rPr>
-                        <a:t>8</a:t>
+                        <a:t>19</a:t>
                       </a:r>
                     </a:p>
                   </a:txBody>
@@ -7813,7 +7815,7 @@
                           <a:ea typeface="微软雅黑" panose="020B0503020204020204" pitchFamily="34" charset="-122"/>
                           <a:cs typeface="+mn-cs"/>
                         </a:rPr>
-                        <a:t>22</a:t>
+                        <a:t>1</a:t>
                       </a:r>
                     </a:p>
                   </a:txBody>
@@ -7835,7 +7837,7 @@
                           <a:ea typeface="微软雅黑" panose="020B0503020204020204" pitchFamily="34" charset="-122"/>
                           <a:cs typeface="+mn-cs"/>
                         </a:rPr>
-                        <a:t>154</a:t>
+                        <a:t>170</a:t>
                       </a:r>
                     </a:p>
                   </a:txBody>
@@ -7868,7 +7870,7 @@
                       </a:r>
                     </a:p>
                   </a:txBody>
-                  <a:tcPr marL="57150" marR="57150" marT="57150" marB="57150"/>
+                  <a:tcPr marL="57150" marR="57150" marT="57150" marB="57150" anchor="ctr"/>
                 </a:tc>
                 <a:tc>
                   <a:txBody>
@@ -7908,7 +7910,7 @@
                           <a:ea typeface="微软雅黑" panose="020B0503020204020204" pitchFamily="34" charset="-122"/>
                           <a:cs typeface="+mn-cs"/>
                         </a:rPr>
-                        <a:t>16</a:t>
+                        <a:t>11</a:t>
                       </a:r>
                     </a:p>
                   </a:txBody>
@@ -7930,7 +7932,7 @@
                           <a:ea typeface="微软雅黑" panose="020B0503020204020204" pitchFamily="34" charset="-122"/>
                           <a:cs typeface="+mn-cs"/>
                         </a:rPr>
-                        <a:t>85</a:t>
+                        <a:t>50</a:t>
                       </a:r>
                     </a:p>
                   </a:txBody>
@@ -7952,7 +7954,7 @@
                           <a:ea typeface="微软雅黑" panose="020B0503020204020204" pitchFamily="34" charset="-122"/>
                           <a:cs typeface="+mn-cs"/>
                         </a:rPr>
-                        <a:t>9</a:t>
+                        <a:t>3</a:t>
                       </a:r>
                     </a:p>
                   </a:txBody>
@@ -7974,7 +7976,7 @@
                           <a:ea typeface="微软雅黑" panose="020B0503020204020204" pitchFamily="34" charset="-122"/>
                           <a:cs typeface="+mn-cs"/>
                         </a:rPr>
-                        <a:t>25</a:t>
+                        <a:t>5</a:t>
                       </a:r>
                     </a:p>
                   </a:txBody>
@@ -7996,7 +7998,7 @@
                           <a:ea typeface="微软雅黑" panose="020B0503020204020204" pitchFamily="34" charset="-122"/>
                           <a:cs typeface="+mn-cs"/>
                         </a:rPr>
-                        <a:t>135</a:t>
+                        <a:t>69</a:t>
                       </a:r>
                     </a:p>
                   </a:txBody>
@@ -8029,7 +8031,7 @@
                       </a:r>
                     </a:p>
                   </a:txBody>
-                  <a:tcPr marL="57150" marR="57150" marT="57150" marB="57150"/>
+                  <a:tcPr marL="57150" marR="57150" marT="57150" marB="57150" anchor="ctr"/>
                 </a:tc>
                 <a:tc>
                   <a:txBody>
@@ -8069,7 +8071,7 @@
                           <a:ea typeface="微软雅黑" panose="020B0503020204020204" pitchFamily="34" charset="-122"/>
                           <a:cs typeface="+mn-cs"/>
                         </a:rPr>
-                        <a:t>2</a:t>
+                        <a:t>0</a:t>
                       </a:r>
                     </a:p>
                   </a:txBody>
@@ -8091,7 +8093,7 @@
                           <a:ea typeface="微软雅黑" panose="020B0503020204020204" pitchFamily="34" charset="-122"/>
                           <a:cs typeface="+mn-cs"/>
                         </a:rPr>
-                        <a:t>57</a:t>
+                        <a:t>55</a:t>
                       </a:r>
                     </a:p>
                   </a:txBody>
@@ -8113,7 +8115,7 @@
                           <a:ea typeface="微软雅黑" panose="020B0503020204020204" pitchFamily="34" charset="-122"/>
                           <a:cs typeface="+mn-cs"/>
                         </a:rPr>
-                        <a:t>14</a:t>
+                        <a:t>20</a:t>
                       </a:r>
                     </a:p>
                   </a:txBody>
@@ -8135,7 +8137,7 @@
                           <a:ea typeface="微软雅黑" panose="020B0503020204020204" pitchFamily="34" charset="-122"/>
                           <a:cs typeface="+mn-cs"/>
                         </a:rPr>
-                        <a:t>30</a:t>
+                        <a:t>9</a:t>
                       </a:r>
                     </a:p>
                   </a:txBody>
@@ -8157,7 +8159,7 @@
                           <a:ea typeface="微软雅黑" panose="020B0503020204020204" pitchFamily="34" charset="-122"/>
                           <a:cs typeface="+mn-cs"/>
                         </a:rPr>
-                        <a:t>102</a:t>
+                        <a:t>84</a:t>
                       </a:r>
                     </a:p>
                   </a:txBody>
@@ -8177,6 +8179,49 @@
                     <a:p>
                       <a:pPr marL="0" algn="ctr" defTabSz="1051286" rtl="0" eaLnBrk="1" fontAlgn="ctr" latinLnBrk="0" hangingPunct="1"/>
                       <a:r>
+                        <a:rPr lang="en-US" altLang="zh-CN" sz="1400" u="none" strike="noStrike" kern="1200" dirty="0">
+                          <a:solidFill>
+                            <a:schemeClr val="tx1"/>
+                          </a:solidFill>
+                          <a:effectLst/>
+                          <a:latin typeface="微软雅黑" panose="020B0503020204020204" pitchFamily="34" charset="-122"/>
+                          <a:ea typeface="微软雅黑" panose="020B0503020204020204" pitchFamily="34" charset="-122"/>
+                          <a:cs typeface="+mn-cs"/>
+                        </a:rPr>
+                        <a:t>500</a:t>
+                      </a:r>
+                      <a:r>
+                        <a:rPr lang="zh-CN" altLang="en-US" sz="1400" u="none" strike="noStrike" kern="1200" dirty="0">
+                          <a:solidFill>
+                            <a:schemeClr val="tx1"/>
+                          </a:solidFill>
+                          <a:effectLst/>
+                          <a:latin typeface="微软雅黑" panose="020B0503020204020204" pitchFamily="34" charset="-122"/>
+                          <a:ea typeface="微软雅黑" panose="020B0503020204020204" pitchFamily="34" charset="-122"/>
+                          <a:cs typeface="+mn-cs"/>
+                        </a:rPr>
+                        <a:t>万以上</a:t>
+                      </a:r>
+                      <a:endParaRPr lang="en-US" altLang="zh-CN" sz="1400" u="none" strike="noStrike" kern="1200" dirty="0">
+                        <a:solidFill>
+                          <a:schemeClr val="tx1"/>
+                        </a:solidFill>
+                        <a:effectLst/>
+                        <a:latin typeface="微软雅黑" panose="020B0503020204020204" pitchFamily="34" charset="-122"/>
+                        <a:ea typeface="微软雅黑" panose="020B0503020204020204" pitchFamily="34" charset="-122"/>
+                        <a:cs typeface="+mn-cs"/>
+                      </a:endParaRPr>
+                    </a:p>
+                  </a:txBody>
+                  <a:tcPr marL="57150" marR="57150" marT="57150" marB="57150" anchor="ctr"/>
+                </a:tc>
+                <a:tc>
+                  <a:txBody>
+                    <a:bodyPr/>
+                    <a:lstStyle/>
+                    <a:p>
+                      <a:pPr marL="0" algn="ctr" defTabSz="1051286" rtl="0" eaLnBrk="1" fontAlgn="ctr" latinLnBrk="0" hangingPunct="1"/>
+                      <a:r>
                         <a:rPr lang="en-US" altLang="zh-CN" sz="1400" u="none" strike="noStrike" kern="1200">
                           <a:solidFill>
                             <a:schemeClr val="tx1"/>
@@ -8186,10 +8231,20 @@
                           <a:ea typeface="微软雅黑" panose="020B0503020204020204" pitchFamily="34" charset="-122"/>
                           <a:cs typeface="+mn-cs"/>
                         </a:rPr>
-                        <a:t>500</a:t>
-                      </a:r>
-                      <a:r>
-                        <a:rPr lang="zh-CN" altLang="en-US" sz="1400" u="none" strike="noStrike" kern="1200">
+                        <a:t>0</a:t>
+                      </a:r>
+                    </a:p>
+                  </a:txBody>
+                  <a:tcPr marL="57150" marR="57150" marT="57150" marB="57150" anchor="ctr"/>
+                </a:tc>
+                <a:tc>
+                  <a:txBody>
+                    <a:bodyPr/>
+                    <a:lstStyle/>
+                    <a:p>
+                      <a:pPr marL="0" algn="ctr" defTabSz="1051286" rtl="0" eaLnBrk="1" fontAlgn="ctr" latinLnBrk="0" hangingPunct="1"/>
+                      <a:r>
+                        <a:rPr lang="en-US" altLang="zh-CN" sz="1400" u="none" strike="noStrike" kern="1200">
                           <a:solidFill>
                             <a:schemeClr val="tx1"/>
                           </a:solidFill>
@@ -8198,11 +8253,11 @@
                           <a:ea typeface="微软雅黑" panose="020B0503020204020204" pitchFamily="34" charset="-122"/>
                           <a:cs typeface="+mn-cs"/>
                         </a:rPr>
-                        <a:t>万以上</a:t>
-                      </a:r>
-                    </a:p>
-                  </a:txBody>
-                  <a:tcPr marL="57150" marR="57150" marT="57150" marB="57150"/>
+                        <a:t>0</a:t>
+                      </a:r>
+                    </a:p>
+                  </a:txBody>
+                  <a:tcPr marL="57150" marR="57150" marT="57150" marB="57150" anchor="ctr"/>
                 </a:tc>
                 <a:tc>
                   <a:txBody>
@@ -8220,7 +8275,7 @@
                           <a:ea typeface="微软雅黑" panose="020B0503020204020204" pitchFamily="34" charset="-122"/>
                           <a:cs typeface="+mn-cs"/>
                         </a:rPr>
-                        <a:t>0</a:t>
+                        <a:t>52</a:t>
                       </a:r>
                     </a:p>
                   </a:txBody>
@@ -8242,7 +8297,7 @@
                           <a:ea typeface="微软雅黑" panose="020B0503020204020204" pitchFamily="34" charset="-122"/>
                           <a:cs typeface="+mn-cs"/>
                         </a:rPr>
-                        <a:t>2</a:t>
+                        <a:t>57</a:t>
                       </a:r>
                     </a:p>
                   </a:txBody>
@@ -8264,7 +8319,7 @@
                           <a:ea typeface="微软雅黑" panose="020B0503020204020204" pitchFamily="34" charset="-122"/>
                           <a:cs typeface="+mn-cs"/>
                         </a:rPr>
-                        <a:t>58</a:t>
+                        <a:t>212</a:t>
                       </a:r>
                     </a:p>
                   </a:txBody>
@@ -8286,51 +8341,7 @@
                           <a:ea typeface="微软雅黑" panose="020B0503020204020204" pitchFamily="34" charset="-122"/>
                           <a:cs typeface="+mn-cs"/>
                         </a:rPr>
-                        <a:t>67</a:t>
-                      </a:r>
-                    </a:p>
-                  </a:txBody>
-                  <a:tcPr marL="57150" marR="57150" marT="57150" marB="57150" anchor="ctr"/>
-                </a:tc>
-                <a:tc>
-                  <a:txBody>
-                    <a:bodyPr/>
-                    <a:lstStyle/>
-                    <a:p>
-                      <a:pPr marL="0" algn="ctr" defTabSz="1051286" rtl="0" eaLnBrk="1" fontAlgn="ctr" latinLnBrk="0" hangingPunct="1"/>
-                      <a:r>
-                        <a:rPr lang="en-US" altLang="zh-CN" sz="1400" u="none" strike="noStrike" kern="1200">
-                          <a:solidFill>
-                            <a:schemeClr val="tx1"/>
-                          </a:solidFill>
-                          <a:effectLst/>
-                          <a:latin typeface="微软雅黑" panose="020B0503020204020204" pitchFamily="34" charset="-122"/>
-                          <a:ea typeface="微软雅黑" panose="020B0503020204020204" pitchFamily="34" charset="-122"/>
-                          <a:cs typeface="+mn-cs"/>
-                        </a:rPr>
-                        <a:t>242</a:t>
-                      </a:r>
-                    </a:p>
-                  </a:txBody>
-                  <a:tcPr marL="57150" marR="57150" marT="57150" marB="57150" anchor="ctr"/>
-                </a:tc>
-                <a:tc>
-                  <a:txBody>
-                    <a:bodyPr/>
-                    <a:lstStyle/>
-                    <a:p>
-                      <a:pPr marL="0" algn="ctr" defTabSz="1051286" rtl="0" eaLnBrk="1" fontAlgn="ctr" latinLnBrk="0" hangingPunct="1"/>
-                      <a:r>
-                        <a:rPr lang="en-US" altLang="zh-CN" sz="1400" u="none" strike="noStrike" kern="1200">
-                          <a:solidFill>
-                            <a:schemeClr val="tx1"/>
-                          </a:solidFill>
-                          <a:effectLst/>
-                          <a:latin typeface="微软雅黑" panose="020B0503020204020204" pitchFamily="34" charset="-122"/>
-                          <a:ea typeface="微软雅黑" panose="020B0503020204020204" pitchFamily="34" charset="-122"/>
-                          <a:cs typeface="+mn-cs"/>
-                        </a:rPr>
-                        <a:t>368</a:t>
+                        <a:t>321</a:t>
                       </a:r>
                     </a:p>
                   </a:txBody>
@@ -8350,7 +8361,7 @@
                     <a:p>
                       <a:pPr marL="0" algn="ctr" defTabSz="1051286" rtl="0" eaLnBrk="1" fontAlgn="ctr" latinLnBrk="0" hangingPunct="1"/>
                       <a:r>
-                        <a:rPr lang="zh-CN" altLang="en-US" sz="1400" u="none" strike="noStrike" kern="1200">
+                        <a:rPr lang="zh-CN" altLang="en-US" sz="1400" u="none" strike="noStrike" kern="1200" dirty="0">
                           <a:solidFill>
                             <a:schemeClr val="tx1"/>
                           </a:solidFill>
@@ -8361,9 +8372,18 @@
                         </a:rPr>
                         <a:t>合计</a:t>
                       </a:r>
-                    </a:p>
-                  </a:txBody>
-                  <a:tcPr marL="57150" marR="57150" marT="57150" marB="57150"/>
+                      <a:endParaRPr lang="en-US" sz="1400" u="none" strike="noStrike" kern="1200" dirty="0">
+                        <a:solidFill>
+                          <a:schemeClr val="tx1"/>
+                        </a:solidFill>
+                        <a:effectLst/>
+                        <a:latin typeface="微软雅黑" panose="020B0503020204020204" pitchFamily="34" charset="-122"/>
+                        <a:ea typeface="微软雅黑" panose="020B0503020204020204" pitchFamily="34" charset="-122"/>
+                        <a:cs typeface="+mn-cs"/>
+                      </a:endParaRPr>
+                    </a:p>
+                  </a:txBody>
+                  <a:tcPr marL="57150" marR="57150" marT="57150" marB="57150" anchor="ctr"/>
                 </a:tc>
                 <a:tc>
                   <a:txBody>
@@ -8372,6 +8392,28 @@
                     <a:p>
                       <a:pPr marL="0" algn="ctr" defTabSz="1051286" rtl="0" eaLnBrk="1" fontAlgn="ctr" latinLnBrk="0" hangingPunct="1"/>
                       <a:r>
+                        <a:rPr lang="en-US" altLang="zh-CN" sz="1400" u="none" strike="noStrike" kern="1200" dirty="0">
+                          <a:solidFill>
+                            <a:schemeClr val="tx1"/>
+                          </a:solidFill>
+                          <a:effectLst/>
+                          <a:latin typeface="微软雅黑" panose="020B0503020204020204" pitchFamily="34" charset="-122"/>
+                          <a:ea typeface="微软雅黑" panose="020B0503020204020204" pitchFamily="34" charset="-122"/>
+                          <a:cs typeface="+mn-cs"/>
+                        </a:rPr>
+                        <a:t>1087</a:t>
+                      </a:r>
+                    </a:p>
+                  </a:txBody>
+                  <a:tcPr marL="57150" marR="57150" marT="57150" marB="57150" anchor="ctr"/>
+                </a:tc>
+                <a:tc>
+                  <a:txBody>
+                    <a:bodyPr/>
+                    <a:lstStyle/>
+                    <a:p>
+                      <a:pPr marL="0" algn="ctr" defTabSz="1051286" rtl="0" eaLnBrk="1" fontAlgn="ctr" latinLnBrk="0" hangingPunct="1"/>
+                      <a:r>
                         <a:rPr lang="en-US" altLang="zh-CN" sz="1400" u="none" strike="noStrike" kern="1200">
                           <a:solidFill>
                             <a:schemeClr val="tx1"/>
@@ -8381,7 +8423,7 @@
                           <a:ea typeface="微软雅黑" panose="020B0503020204020204" pitchFamily="34" charset="-122"/>
                           <a:cs typeface="+mn-cs"/>
                         </a:rPr>
-                        <a:t>742</a:t>
+                        <a:t>953</a:t>
                       </a:r>
                     </a:p>
                   </a:txBody>
@@ -8403,7 +8445,7 @@
                           <a:ea typeface="微软雅黑" panose="020B0503020204020204" pitchFamily="34" charset="-122"/>
                           <a:cs typeface="+mn-cs"/>
                         </a:rPr>
-                        <a:t>774</a:t>
+                        <a:t>530</a:t>
                       </a:r>
                     </a:p>
                   </a:txBody>
@@ -8425,7 +8467,7 @@
                           <a:ea typeface="微软雅黑" panose="020B0503020204020204" pitchFamily="34" charset="-122"/>
                           <a:cs typeface="+mn-cs"/>
                         </a:rPr>
-                        <a:t>581</a:t>
+                        <a:t>119</a:t>
                       </a:r>
                     </a:p>
                   </a:txBody>
@@ -8447,7 +8489,7 @@
                           <a:ea typeface="微软雅黑" panose="020B0503020204020204" pitchFamily="34" charset="-122"/>
                           <a:cs typeface="+mn-cs"/>
                         </a:rPr>
-                        <a:t>153</a:t>
+                        <a:t>240</a:t>
                       </a:r>
                     </a:p>
                   </a:txBody>
@@ -8460,7 +8502,7 @@
                     <a:p>
                       <a:pPr marL="0" algn="ctr" defTabSz="1051286" rtl="0" eaLnBrk="1" fontAlgn="ctr" latinLnBrk="0" hangingPunct="1"/>
                       <a:r>
-                        <a:rPr lang="en-US" altLang="zh-CN" sz="1400" u="none" strike="noStrike" kern="1200">
+                        <a:rPr lang="en-US" altLang="zh-CN" sz="1400" u="none" strike="noStrike" kern="1200" dirty="0">
                           <a:solidFill>
                             <a:schemeClr val="tx1"/>
                           </a:solidFill>
@@ -8469,29 +8511,7 @@
                           <a:ea typeface="微软雅黑" panose="020B0503020204020204" pitchFamily="34" charset="-122"/>
                           <a:cs typeface="+mn-cs"/>
                         </a:rPr>
-                        <a:t>378</a:t>
-                      </a:r>
-                    </a:p>
-                  </a:txBody>
-                  <a:tcPr marL="57150" marR="57150" marT="57150" marB="57150" anchor="ctr"/>
-                </a:tc>
-                <a:tc>
-                  <a:txBody>
-                    <a:bodyPr/>
-                    <a:lstStyle/>
-                    <a:p>
-                      <a:pPr marL="0" algn="ctr" defTabSz="1051286" rtl="0" eaLnBrk="1" fontAlgn="ctr" latinLnBrk="0" hangingPunct="1"/>
-                      <a:r>
-                        <a:rPr lang="en-US" altLang="zh-CN" sz="1400" u="none" strike="noStrike" kern="1200" dirty="0">
-                          <a:solidFill>
-                            <a:schemeClr val="tx1"/>
-                          </a:solidFill>
-                          <a:effectLst/>
-                          <a:latin typeface="微软雅黑" panose="020B0503020204020204" pitchFamily="34" charset="-122"/>
-                          <a:ea typeface="微软雅黑" panose="020B0503020204020204" pitchFamily="34" charset="-122"/>
-                          <a:cs typeface="+mn-cs"/>
-                        </a:rPr>
-                        <a:t>2629</a:t>
+                        <a:t>2929</a:t>
                       </a:r>
                     </a:p>
                   </a:txBody>
@@ -8521,8 +8541,8 @@
         </p:nvSpPr>
         <p:spPr>
           <a:xfrm>
-            <a:off x="1765822" y="2277666"/>
-            <a:ext cx="1413936" cy="1368152"/>
+            <a:off x="1784865" y="3285777"/>
+            <a:ext cx="1413936" cy="778731"/>
           </a:xfrm>
           <a:prstGeom prst="rect">
             <a:avLst/>
@@ -8573,8 +8593,8 @@
         </p:nvSpPr>
         <p:spPr>
           <a:xfrm>
-            <a:off x="3179758" y="2997746"/>
-            <a:ext cx="1644754" cy="1318722"/>
+            <a:off x="3198800" y="3585566"/>
+            <a:ext cx="1625711" cy="778730"/>
           </a:xfrm>
           <a:prstGeom prst="rect">
             <a:avLst/>
@@ -8625,8 +8645,8 @@
         </p:nvSpPr>
         <p:spPr>
           <a:xfrm>
-            <a:off x="4824512" y="4715116"/>
-            <a:ext cx="1275485" cy="730902"/>
+            <a:off x="7416800" y="5667765"/>
+            <a:ext cx="1275485" cy="426325"/>
           </a:xfrm>
           <a:prstGeom prst="rect">
             <a:avLst/>
@@ -8750,7 +8770,7 @@
         <p:spPr>
           <a:xfrm>
             <a:off x="282097" y="938897"/>
-            <a:ext cx="9799000" cy="1249188"/>
+            <a:ext cx="9799000" cy="953723"/>
           </a:xfrm>
           <a:prstGeom prst="rect">
             <a:avLst/>
@@ -8779,35 +8799,49 @@
                 <a:latin typeface="微软雅黑" panose="020B0503020204020204" pitchFamily="34" charset="-122"/>
                 <a:ea typeface="微软雅黑" panose="020B0503020204020204" pitchFamily="34" charset="-122"/>
               </a:rPr>
-              <a:t>受限签备案影响，成交数据比实际有所延迟。国社签约</a:t>
+              <a:t>受限签备案影响，成交数据比实际有所延迟。华润国际社区签约</a:t>
             </a:r>
             <a:r>
               <a:rPr lang="en-US" altLang="zh-CN" sz="1600" b="1" dirty="0">
                 <a:latin typeface="微软雅黑" panose="020B0503020204020204" pitchFamily="34" charset="-122"/>
                 <a:ea typeface="微软雅黑" panose="020B0503020204020204" pitchFamily="34" charset="-122"/>
               </a:rPr>
-              <a:t>6</a:t>
+              <a:t>63</a:t>
             </a:r>
             <a:r>
               <a:rPr lang="zh-CN" altLang="en-US" sz="1600" b="1" dirty="0">
                 <a:latin typeface="微软雅黑" panose="020B0503020204020204" pitchFamily="34" charset="-122"/>
                 <a:ea typeface="微软雅黑" panose="020B0503020204020204" pitchFamily="34" charset="-122"/>
               </a:rPr>
-              <a:t>套，均价</a:t>
+              <a:t>套</a:t>
             </a:r>
             <a:r>
               <a:rPr lang="en-US" altLang="zh-CN" sz="1600" b="1" dirty="0">
                 <a:latin typeface="微软雅黑" panose="020B0503020204020204" pitchFamily="34" charset="-122"/>
                 <a:ea typeface="微软雅黑" panose="020B0503020204020204" pitchFamily="34" charset="-122"/>
               </a:rPr>
-              <a:t>2.9</a:t>
+              <a:t>, </a:t>
             </a:r>
             <a:r>
               <a:rPr lang="zh-CN" altLang="en-US" sz="1600" b="1" dirty="0">
                 <a:latin typeface="微软雅黑" panose="020B0503020204020204" pitchFamily="34" charset="-122"/>
                 <a:ea typeface="微软雅黑" panose="020B0503020204020204" pitchFamily="34" charset="-122"/>
               </a:rPr>
-              <a:t>万元</a:t>
+              <a:t>均价</a:t>
+            </a:r>
+            <a:r>
+              <a:rPr lang="en-US" altLang="zh-CN" sz="1600" b="1" dirty="0">
+                <a:latin typeface="微软雅黑" panose="020B0503020204020204" pitchFamily="34" charset="-122"/>
+                <a:ea typeface="微软雅黑" panose="020B0503020204020204" pitchFamily="34" charset="-122"/>
+              </a:rPr>
+              <a:t>3.0</a:t>
+            </a:r>
+            <a:r>
+              <a:rPr lang="zh-CN" altLang="en-US" sz="1600" b="1" dirty="0">
+                <a:latin typeface="微软雅黑" panose="020B0503020204020204" pitchFamily="34" charset="-122"/>
+                <a:ea typeface="微软雅黑" panose="020B0503020204020204" pitchFamily="34" charset="-122"/>
+              </a:rPr>
+              <a:t>元</a:t>
             </a:r>
             <a:r>
               <a:rPr lang="en-US" altLang="zh-CN" sz="1600" b="1" dirty="0">
@@ -8828,14 +8862,28 @@
                 <a:latin typeface="微软雅黑" panose="020B0503020204020204" pitchFamily="34" charset="-122"/>
                 <a:ea typeface="微软雅黑" panose="020B0503020204020204" pitchFamily="34" charset="-122"/>
               </a:rPr>
-              <a:t>169</a:t>
+              <a:t>222</a:t>
             </a:r>
             <a:r>
               <a:rPr lang="zh-CN" altLang="en-US" sz="1600" b="1" dirty="0">
                 <a:latin typeface="微软雅黑" panose="020B0503020204020204" pitchFamily="34" charset="-122"/>
                 <a:ea typeface="微软雅黑" panose="020B0503020204020204" pitchFamily="34" charset="-122"/>
               </a:rPr>
-              <a:t>套，均价</a:t>
+              <a:t>套</a:t>
+            </a:r>
+            <a:r>
+              <a:rPr lang="en-US" altLang="zh-CN" sz="1600" b="1" dirty="0">
+                <a:latin typeface="微软雅黑" panose="020B0503020204020204" pitchFamily="34" charset="-122"/>
+                <a:ea typeface="微软雅黑" panose="020B0503020204020204" pitchFamily="34" charset="-122"/>
+              </a:rPr>
+              <a:t>, </a:t>
+            </a:r>
+            <a:r>
+              <a:rPr lang="zh-CN" altLang="en-US" sz="1600" b="1" dirty="0">
+                <a:latin typeface="微软雅黑" panose="020B0503020204020204" pitchFamily="34" charset="-122"/>
+                <a:ea typeface="微软雅黑" panose="020B0503020204020204" pitchFamily="34" charset="-122"/>
+              </a:rPr>
+              <a:t>均价</a:t>
             </a:r>
             <a:r>
               <a:rPr lang="en-US" altLang="zh-CN" sz="1600" b="1" dirty="0">
@@ -8849,7 +8897,7 @@
                 <a:latin typeface="微软雅黑" panose="020B0503020204020204" pitchFamily="34" charset="-122"/>
                 <a:ea typeface="微软雅黑" panose="020B0503020204020204" pitchFamily="34" charset="-122"/>
               </a:rPr>
-              <a:t>万元</a:t>
+              <a:t>元</a:t>
             </a:r>
             <a:r>
               <a:rPr lang="en-US" altLang="zh-CN" sz="1600" b="1" dirty="0">
@@ -8863,21 +8911,91 @@
                 <a:latin typeface="微软雅黑" panose="020B0503020204020204" pitchFamily="34" charset="-122"/>
                 <a:ea typeface="微软雅黑" panose="020B0503020204020204" pitchFamily="34" charset="-122"/>
               </a:rPr>
-              <a:t>。三金鑫宁府签约</a:t>
+              <a:t>。中建国熙台签约</a:t>
             </a:r>
             <a:r>
               <a:rPr lang="en-US" altLang="zh-CN" sz="1600" b="1" dirty="0">
                 <a:latin typeface="微软雅黑" panose="020B0503020204020204" pitchFamily="34" charset="-122"/>
                 <a:ea typeface="微软雅黑" panose="020B0503020204020204" pitchFamily="34" charset="-122"/>
               </a:rPr>
-              <a:t>12</a:t>
+              <a:t>1</a:t>
             </a:r>
             <a:r>
               <a:rPr lang="zh-CN" altLang="en-US" sz="1600" b="1" dirty="0">
                 <a:latin typeface="微软雅黑" panose="020B0503020204020204" pitchFamily="34" charset="-122"/>
                 <a:ea typeface="微软雅黑" panose="020B0503020204020204" pitchFamily="34" charset="-122"/>
               </a:rPr>
-              <a:t>套，均价</a:t>
+              <a:t>套</a:t>
+            </a:r>
+            <a:r>
+              <a:rPr lang="en-US" altLang="zh-CN" sz="1600" b="1" dirty="0">
+                <a:latin typeface="微软雅黑" panose="020B0503020204020204" pitchFamily="34" charset="-122"/>
+                <a:ea typeface="微软雅黑" panose="020B0503020204020204" pitchFamily="34" charset="-122"/>
+              </a:rPr>
+              <a:t>, </a:t>
+            </a:r>
+            <a:r>
+              <a:rPr lang="zh-CN" altLang="en-US" sz="1600" b="1" dirty="0">
+                <a:latin typeface="微软雅黑" panose="020B0503020204020204" pitchFamily="34" charset="-122"/>
+                <a:ea typeface="微软雅黑" panose="020B0503020204020204" pitchFamily="34" charset="-122"/>
+              </a:rPr>
+              <a:t>均价</a:t>
+            </a:r>
+            <a:r>
+              <a:rPr lang="en-US" altLang="zh-CN" sz="1600" b="1" dirty="0">
+                <a:latin typeface="微软雅黑" panose="020B0503020204020204" pitchFamily="34" charset="-122"/>
+                <a:ea typeface="微软雅黑" panose="020B0503020204020204" pitchFamily="34" charset="-122"/>
+              </a:rPr>
+              <a:t>3.3</a:t>
+            </a:r>
+            <a:r>
+              <a:rPr lang="zh-CN" altLang="en-US" sz="1600" b="1" dirty="0">
+                <a:latin typeface="微软雅黑" panose="020B0503020204020204" pitchFamily="34" charset="-122"/>
+                <a:ea typeface="微软雅黑" panose="020B0503020204020204" pitchFamily="34" charset="-122"/>
+              </a:rPr>
+              <a:t>元</a:t>
+            </a:r>
+            <a:r>
+              <a:rPr lang="en-US" altLang="zh-CN" sz="1600" b="1" dirty="0">
+                <a:latin typeface="微软雅黑" panose="020B0503020204020204" pitchFamily="34" charset="-122"/>
+                <a:ea typeface="微软雅黑" panose="020B0503020204020204" pitchFamily="34" charset="-122"/>
+              </a:rPr>
+              <a:t>/㎡</a:t>
+            </a:r>
+            <a:r>
+              <a:rPr lang="zh-CN" altLang="en-US" sz="1600" b="1" dirty="0">
+                <a:latin typeface="微软雅黑" panose="020B0503020204020204" pitchFamily="34" charset="-122"/>
+                <a:ea typeface="微软雅黑" panose="020B0503020204020204" pitchFamily="34" charset="-122"/>
+              </a:rPr>
+              <a:t>。三金鑫宁府签约</a:t>
+            </a:r>
+            <a:r>
+              <a:rPr lang="en-US" altLang="zh-CN" sz="1600" b="1" dirty="0">
+                <a:latin typeface="微软雅黑" panose="020B0503020204020204" pitchFamily="34" charset="-122"/>
+                <a:ea typeface="微软雅黑" panose="020B0503020204020204" pitchFamily="34" charset="-122"/>
+              </a:rPr>
+              <a:t>11</a:t>
+            </a:r>
+            <a:r>
+              <a:rPr lang="zh-CN" altLang="en-US" sz="1600" b="1" dirty="0">
+                <a:latin typeface="微软雅黑" panose="020B0503020204020204" pitchFamily="34" charset="-122"/>
+                <a:ea typeface="微软雅黑" panose="020B0503020204020204" pitchFamily="34" charset="-122"/>
+              </a:rPr>
+              <a:t>套</a:t>
+            </a:r>
+            <a:r>
+              <a:rPr lang="en-US" altLang="zh-CN" sz="1600" b="1" dirty="0">
+                <a:latin typeface="微软雅黑" panose="020B0503020204020204" pitchFamily="34" charset="-122"/>
+                <a:ea typeface="微软雅黑" panose="020B0503020204020204" pitchFamily="34" charset="-122"/>
+              </a:rPr>
+              <a:t>, </a:t>
+            </a:r>
+            <a:r>
+              <a:rPr lang="zh-CN" altLang="en-US" sz="1600" b="1" dirty="0">
+                <a:latin typeface="微软雅黑" panose="020B0503020204020204" pitchFamily="34" charset="-122"/>
+                <a:ea typeface="微软雅黑" panose="020B0503020204020204" pitchFamily="34" charset="-122"/>
+              </a:rPr>
+              <a:t>均价</a:t>
             </a:r>
             <a:r>
               <a:rPr lang="en-US" altLang="zh-CN" sz="1600" b="1" dirty="0">
@@ -8891,7 +9009,7 @@
                 <a:latin typeface="微软雅黑" panose="020B0503020204020204" pitchFamily="34" charset="-122"/>
                 <a:ea typeface="微软雅黑" panose="020B0503020204020204" pitchFamily="34" charset="-122"/>
               </a:rPr>
-              <a:t>万元</a:t>
+              <a:t>元</a:t>
             </a:r>
             <a:r>
               <a:rPr lang="en-US" altLang="zh-CN" sz="1600" b="1" dirty="0">
@@ -8905,35 +9023,49 @@
                 <a:latin typeface="微软雅黑" panose="020B0503020204020204" pitchFamily="34" charset="-122"/>
                 <a:ea typeface="微软雅黑" panose="020B0503020204020204" pitchFamily="34" charset="-122"/>
               </a:rPr>
-              <a:t>。中建国熙台签约</a:t>
+              <a:t>。雅居乐滨江国际签约</a:t>
             </a:r>
             <a:r>
               <a:rPr lang="en-US" altLang="zh-CN" sz="1600" b="1" dirty="0">
                 <a:latin typeface="微软雅黑" panose="020B0503020204020204" pitchFamily="34" charset="-122"/>
                 <a:ea typeface="微软雅黑" panose="020B0503020204020204" pitchFamily="34" charset="-122"/>
               </a:rPr>
-              <a:t>9</a:t>
+              <a:t>40</a:t>
             </a:r>
             <a:r>
               <a:rPr lang="zh-CN" altLang="en-US" sz="1600" b="1" dirty="0">
                 <a:latin typeface="微软雅黑" panose="020B0503020204020204" pitchFamily="34" charset="-122"/>
                 <a:ea typeface="微软雅黑" panose="020B0503020204020204" pitchFamily="34" charset="-122"/>
               </a:rPr>
-              <a:t>套，均价</a:t>
+              <a:t>套</a:t>
             </a:r>
             <a:r>
               <a:rPr lang="en-US" altLang="zh-CN" sz="1600" b="1" dirty="0">
                 <a:latin typeface="微软雅黑" panose="020B0503020204020204" pitchFamily="34" charset="-122"/>
                 <a:ea typeface="微软雅黑" panose="020B0503020204020204" pitchFamily="34" charset="-122"/>
               </a:rPr>
-              <a:t>3.0</a:t>
+              <a:t>, </a:t>
             </a:r>
             <a:r>
               <a:rPr lang="zh-CN" altLang="en-US" sz="1600" b="1" dirty="0">
                 <a:latin typeface="微软雅黑" panose="020B0503020204020204" pitchFamily="34" charset="-122"/>
                 <a:ea typeface="微软雅黑" panose="020B0503020204020204" pitchFamily="34" charset="-122"/>
               </a:rPr>
-              <a:t>万元</a:t>
+              <a:t>均价</a:t>
+            </a:r>
+            <a:r>
+              <a:rPr lang="en-US" altLang="zh-CN" sz="1600" b="1" dirty="0">
+                <a:latin typeface="微软雅黑" panose="020B0503020204020204" pitchFamily="34" charset="-122"/>
+                <a:ea typeface="微软雅黑" panose="020B0503020204020204" pitchFamily="34" charset="-122"/>
+              </a:rPr>
+              <a:t>2.6</a:t>
+            </a:r>
+            <a:r>
+              <a:rPr lang="zh-CN" altLang="en-US" sz="1600" b="1" dirty="0">
+                <a:latin typeface="微软雅黑" panose="020B0503020204020204" pitchFamily="34" charset="-122"/>
+                <a:ea typeface="微软雅黑" panose="020B0503020204020204" pitchFamily="34" charset="-122"/>
+              </a:rPr>
+              <a:t>元</a:t>
             </a:r>
             <a:r>
               <a:rPr lang="en-US" altLang="zh-CN" sz="1600" b="1" dirty="0">
@@ -8947,21 +9079,91 @@
                 <a:latin typeface="微软雅黑" panose="020B0503020204020204" pitchFamily="34" charset="-122"/>
                 <a:ea typeface="微软雅黑" panose="020B0503020204020204" pitchFamily="34" charset="-122"/>
               </a:rPr>
-              <a:t>。观山悦签约小高层</a:t>
+              <a:t>。观山悦签约洋房</a:t>
             </a:r>
             <a:r>
               <a:rPr lang="en-US" altLang="zh-CN" sz="1600" b="1" dirty="0">
                 <a:latin typeface="微软雅黑" panose="020B0503020204020204" pitchFamily="34" charset="-122"/>
                 <a:ea typeface="微软雅黑" panose="020B0503020204020204" pitchFamily="34" charset="-122"/>
               </a:rPr>
-              <a:t>22</a:t>
+              <a:t>1</a:t>
             </a:r>
             <a:r>
               <a:rPr lang="zh-CN" altLang="en-US" sz="1600" b="1" dirty="0">
                 <a:latin typeface="微软雅黑" panose="020B0503020204020204" pitchFamily="34" charset="-122"/>
                 <a:ea typeface="微软雅黑" panose="020B0503020204020204" pitchFamily="34" charset="-122"/>
               </a:rPr>
-              <a:t>套，均价</a:t>
+              <a:t>套</a:t>
+            </a:r>
+            <a:r>
+              <a:rPr lang="en-US" altLang="zh-CN" sz="1600" b="1" dirty="0">
+                <a:latin typeface="微软雅黑" panose="020B0503020204020204" pitchFamily="34" charset="-122"/>
+                <a:ea typeface="微软雅黑" panose="020B0503020204020204" pitchFamily="34" charset="-122"/>
+              </a:rPr>
+              <a:t>, </a:t>
+            </a:r>
+            <a:r>
+              <a:rPr lang="zh-CN" altLang="en-US" sz="1600" b="1" dirty="0">
+                <a:latin typeface="微软雅黑" panose="020B0503020204020204" pitchFamily="34" charset="-122"/>
+                <a:ea typeface="微软雅黑" panose="020B0503020204020204" pitchFamily="34" charset="-122"/>
+              </a:rPr>
+              <a:t>均价</a:t>
+            </a:r>
+            <a:r>
+              <a:rPr lang="en-US" altLang="zh-CN" sz="1600" b="1" dirty="0">
+                <a:latin typeface="微软雅黑" panose="020B0503020204020204" pitchFamily="34" charset="-122"/>
+                <a:ea typeface="微软雅黑" panose="020B0503020204020204" pitchFamily="34" charset="-122"/>
+              </a:rPr>
+              <a:t>2.8</a:t>
+            </a:r>
+            <a:r>
+              <a:rPr lang="zh-CN" altLang="en-US" sz="1600" b="1" dirty="0">
+                <a:latin typeface="微软雅黑" panose="020B0503020204020204" pitchFamily="34" charset="-122"/>
+                <a:ea typeface="微软雅黑" panose="020B0503020204020204" pitchFamily="34" charset="-122"/>
+              </a:rPr>
+              <a:t>元</a:t>
+            </a:r>
+            <a:r>
+              <a:rPr lang="en-US" altLang="zh-CN" sz="1600" b="1" dirty="0">
+                <a:latin typeface="微软雅黑" panose="020B0503020204020204" pitchFamily="34" charset="-122"/>
+                <a:ea typeface="微软雅黑" panose="020B0503020204020204" pitchFamily="34" charset="-122"/>
+              </a:rPr>
+              <a:t>/㎡</a:t>
+            </a:r>
+            <a:r>
+              <a:rPr lang="zh-CN" altLang="en-US" sz="1600" b="1" dirty="0">
+                <a:latin typeface="微软雅黑" panose="020B0503020204020204" pitchFamily="34" charset="-122"/>
+                <a:ea typeface="微软雅黑" panose="020B0503020204020204" pitchFamily="34" charset="-122"/>
+              </a:rPr>
+              <a:t>，小高层住宅</a:t>
+            </a:r>
+            <a:r>
+              <a:rPr lang="en-US" altLang="zh-CN" sz="1600" b="1" dirty="0">
+                <a:latin typeface="微软雅黑" panose="020B0503020204020204" pitchFamily="34" charset="-122"/>
+                <a:ea typeface="微软雅黑" panose="020B0503020204020204" pitchFamily="34" charset="-122"/>
+              </a:rPr>
+              <a:t>10</a:t>
+            </a:r>
+            <a:r>
+              <a:rPr lang="zh-CN" altLang="en-US" sz="1600" b="1" dirty="0">
+                <a:latin typeface="微软雅黑" panose="020B0503020204020204" pitchFamily="34" charset="-122"/>
+                <a:ea typeface="微软雅黑" panose="020B0503020204020204" pitchFamily="34" charset="-122"/>
+              </a:rPr>
+              <a:t>套</a:t>
+            </a:r>
+            <a:r>
+              <a:rPr lang="en-US" altLang="zh-CN" sz="1600" b="1" dirty="0">
+                <a:latin typeface="微软雅黑" panose="020B0503020204020204" pitchFamily="34" charset="-122"/>
+                <a:ea typeface="微软雅黑" panose="020B0503020204020204" pitchFamily="34" charset="-122"/>
+              </a:rPr>
+              <a:t>, </a:t>
+            </a:r>
+            <a:r>
+              <a:rPr lang="zh-CN" altLang="en-US" sz="1600" b="1" dirty="0">
+                <a:latin typeface="微软雅黑" panose="020B0503020204020204" pitchFamily="34" charset="-122"/>
+                <a:ea typeface="微软雅黑" panose="020B0503020204020204" pitchFamily="34" charset="-122"/>
+              </a:rPr>
+              <a:t>均价</a:t>
             </a:r>
             <a:r>
               <a:rPr lang="en-US" altLang="zh-CN" sz="1600" b="1" dirty="0">
@@ -8975,7 +9177,7 @@
                 <a:latin typeface="微软雅黑" panose="020B0503020204020204" pitchFamily="34" charset="-122"/>
                 <a:ea typeface="微软雅黑" panose="020B0503020204020204" pitchFamily="34" charset="-122"/>
               </a:rPr>
-              <a:t>万元</a:t>
+              <a:t>元</a:t>
             </a:r>
             <a:r>
               <a:rPr lang="en-US" altLang="zh-CN" sz="1600" b="1" dirty="0">
@@ -8989,65 +9191,8 @@
                 <a:latin typeface="微软雅黑" panose="020B0503020204020204" pitchFamily="34" charset="-122"/>
                 <a:ea typeface="微软雅黑" panose="020B0503020204020204" pitchFamily="34" charset="-122"/>
               </a:rPr>
-              <a:t>，洋房</a:t>
-            </a:r>
-            <a:r>
-              <a:rPr lang="en-US" altLang="zh-CN" sz="1600" b="1" dirty="0">
-                <a:latin typeface="微软雅黑" panose="020B0503020204020204" pitchFamily="34" charset="-122"/>
-                <a:ea typeface="微软雅黑" panose="020B0503020204020204" pitchFamily="34" charset="-122"/>
-              </a:rPr>
-              <a:t>7</a:t>
-            </a:r>
-            <a:r>
-              <a:rPr lang="zh-CN" altLang="en-US" sz="1600" b="1" dirty="0">
-                <a:latin typeface="微软雅黑" panose="020B0503020204020204" pitchFamily="34" charset="-122"/>
-                <a:ea typeface="微软雅黑" panose="020B0503020204020204" pitchFamily="34" charset="-122"/>
-              </a:rPr>
-              <a:t>套，均价</a:t>
-            </a:r>
-            <a:r>
-              <a:rPr lang="en-US" altLang="zh-CN" sz="1600" b="1" dirty="0">
-                <a:latin typeface="微软雅黑" panose="020B0503020204020204" pitchFamily="34" charset="-122"/>
-                <a:ea typeface="微软雅黑" panose="020B0503020204020204" pitchFamily="34" charset="-122"/>
-              </a:rPr>
-              <a:t>2.9</a:t>
-            </a:r>
-            <a:r>
-              <a:rPr lang="zh-CN" altLang="en-US" sz="1600" b="1" dirty="0">
-                <a:latin typeface="微软雅黑" panose="020B0503020204020204" pitchFamily="34" charset="-122"/>
-                <a:ea typeface="微软雅黑" panose="020B0503020204020204" pitchFamily="34" charset="-122"/>
-              </a:rPr>
-              <a:t>万元</a:t>
-            </a:r>
-            <a:r>
-              <a:rPr lang="en-US" altLang="zh-CN" sz="1600" b="1" dirty="0">
-                <a:latin typeface="微软雅黑" panose="020B0503020204020204" pitchFamily="34" charset="-122"/>
-                <a:ea typeface="微软雅黑" panose="020B0503020204020204" pitchFamily="34" charset="-122"/>
-              </a:rPr>
-              <a:t>/㎡</a:t>
-            </a:r>
-            <a:r>
-              <a:rPr lang="zh-CN" altLang="en-US" sz="1600" b="1" dirty="0">
-                <a:latin typeface="微软雅黑" panose="020B0503020204020204" pitchFamily="34" charset="-122"/>
-                <a:ea typeface="微软雅黑" panose="020B0503020204020204" pitchFamily="34" charset="-122"/>
-              </a:rPr>
               <a:t>。</a:t>
             </a:r>
-            <a:endParaRPr lang="en-US" altLang="zh-CN" sz="1600" b="1" dirty="0">
-              <a:latin typeface="微软雅黑" panose="020B0503020204020204" pitchFamily="34" charset="-122"/>
-              <a:ea typeface="微软雅黑" panose="020B0503020204020204" pitchFamily="34" charset="-122"/>
-            </a:endParaRPr>
-          </a:p>
-          <a:p>
-            <a:pPr>
-              <a:lnSpc>
-                <a:spcPct val="120000"/>
-              </a:lnSpc>
-            </a:pPr>
-            <a:endParaRPr lang="zh-CN" altLang="en-US" sz="1600" b="1" dirty="0">
-              <a:latin typeface="微软雅黑" panose="020B0503020204020204" pitchFamily="34" charset="-122"/>
-              <a:ea typeface="微软雅黑" panose="020B0503020204020204" pitchFamily="34" charset="-122"/>
-            </a:endParaRPr>
           </a:p>
         </p:txBody>
       </p:sp>
@@ -9313,7 +9458,7 @@
                   <a:latin typeface="微软雅黑" panose="020B0503020204020204" pitchFamily="34" charset="-122"/>
                   <a:ea typeface="微软雅黑" panose="020B0503020204020204" pitchFamily="34" charset="-122"/>
                 </a:rPr>
-                <a:t>6</a:t>
+                <a:t>63</a:t>
               </a:r>
               <a:r>
                 <a:rPr lang="zh-CN" altLang="en-US" sz="1100" b="1" dirty="0">
@@ -9341,7 +9486,7 @@
                   <a:latin typeface="微软雅黑" panose="020B0503020204020204" pitchFamily="34" charset="-122"/>
                   <a:ea typeface="微软雅黑" panose="020B0503020204020204" pitchFamily="34" charset="-122"/>
                 </a:rPr>
-                <a:t>29110</a:t>
+                <a:t>29638</a:t>
               </a:r>
               <a:r>
                 <a:rPr lang="zh-CN" altLang="en-US" sz="1100" b="1" dirty="0">
@@ -9414,7 +9559,7 @@
                   <a:latin typeface="微软雅黑" panose="020B0503020204020204" pitchFamily="34" charset="-122"/>
                   <a:ea typeface="微软雅黑" panose="020B0503020204020204" pitchFamily="34" charset="-122"/>
                 </a:rPr>
-                <a:t>9</a:t>
+                <a:t>1</a:t>
               </a:r>
               <a:r>
                 <a:rPr lang="zh-CN" altLang="en-US" sz="1100" b="1" dirty="0">
@@ -9442,7 +9587,7 @@
                   <a:latin typeface="微软雅黑" panose="020B0503020204020204" pitchFamily="34" charset="-122"/>
                   <a:ea typeface="微软雅黑" panose="020B0503020204020204" pitchFamily="34" charset="-122"/>
                 </a:rPr>
-                <a:t>30401</a:t>
+                <a:t>32788</a:t>
               </a:r>
               <a:r>
                 <a:rPr lang="zh-CN" altLang="en-US" sz="1100" b="1" dirty="0">
@@ -9521,7 +9666,7 @@
                   <a:latin typeface="微软雅黑" panose="020B0503020204020204" pitchFamily="34" charset="-122"/>
                   <a:ea typeface="微软雅黑" panose="020B0503020204020204" pitchFamily="34" charset="-122"/>
                 </a:rPr>
-                <a:t>12</a:t>
+                <a:t>11</a:t>
               </a:r>
               <a:r>
                 <a:rPr lang="zh-CN" altLang="en-US" sz="1100" b="1" dirty="0">
@@ -9551,7 +9696,7 @@
                   <a:latin typeface="微软雅黑" panose="020B0503020204020204" pitchFamily="34" charset="-122"/>
                   <a:ea typeface="微软雅黑" panose="020B0503020204020204" pitchFamily="34" charset="-122"/>
                 </a:rPr>
-                <a:t>均价</a:t>
+                <a:t>均价：</a:t>
               </a:r>
               <a:r>
                 <a:rPr lang="en-US" altLang="zh-CN" sz="1100" b="1" dirty="0">
@@ -9561,7 +9706,7 @@
                   <a:latin typeface="微软雅黑" panose="020B0503020204020204" pitchFamily="34" charset="-122"/>
                   <a:ea typeface="微软雅黑" panose="020B0503020204020204" pitchFamily="34" charset="-122"/>
                 </a:rPr>
-                <a:t>25986</a:t>
+                <a:t>25961</a:t>
               </a:r>
               <a:r>
                 <a:rPr lang="zh-CN" altLang="en-US" sz="1100" b="1" dirty="0">
@@ -9612,7 +9757,7 @@
           <p:spPr>
             <a:xfrm>
               <a:off x="4840166" y="4800295"/>
-              <a:ext cx="1475565" cy="379539"/>
+              <a:ext cx="1475565" cy="530837"/>
             </a:xfrm>
             <a:prstGeom prst="rect">
               <a:avLst/>
@@ -9663,7 +9808,7 @@
                   <a:latin typeface="微软雅黑" panose="020B0503020204020204" pitchFamily="34" charset="-122"/>
                   <a:ea typeface="微软雅黑" panose="020B0503020204020204" pitchFamily="34" charset="-122"/>
                 </a:rPr>
-                <a:t>0</a:t>
+                <a:t>40</a:t>
               </a:r>
               <a:r>
                 <a:rPr lang="zh-CN" altLang="en-US" sz="1100" b="1" dirty="0">
@@ -9682,6 +9827,49 @@
                 <a:latin typeface="微软雅黑" panose="020B0503020204020204" pitchFamily="34" charset="-122"/>
                 <a:ea typeface="微软雅黑" panose="020B0503020204020204" pitchFamily="34" charset="-122"/>
               </a:endParaRPr>
+            </a:p>
+            <a:p>
+              <a:pPr defTabSz="1046514"/>
+              <a:r>
+                <a:rPr lang="zh-CN" altLang="en-US" sz="1100" b="1" dirty="0">
+                  <a:solidFill>
+                    <a:prstClr val="black"/>
+                  </a:solidFill>
+                  <a:latin typeface="微软雅黑" panose="020B0503020204020204" pitchFamily="34" charset="-122"/>
+                  <a:ea typeface="微软雅黑" panose="020B0503020204020204" pitchFamily="34" charset="-122"/>
+                </a:rPr>
+                <a:t>均价：</a:t>
+              </a:r>
+              <a:r>
+                <a:rPr lang="en-US" altLang="zh-CN" sz="1100" b="1" dirty="0">
+                  <a:solidFill>
+                    <a:prstClr val="black"/>
+                  </a:solidFill>
+                  <a:latin typeface="微软雅黑" panose="020B0503020204020204" pitchFamily="34" charset="-122"/>
+                  <a:ea typeface="微软雅黑" panose="020B0503020204020204" pitchFamily="34" charset="-122"/>
+                </a:rPr>
+                <a:t>26511</a:t>
+              </a:r>
+              <a:r>
+                <a:rPr lang="zh-CN" altLang="en-US" sz="1100" b="1" dirty="0">
+                  <a:solidFill>
+                    <a:prstClr val="black"/>
+                  </a:solidFill>
+                  <a:latin typeface="微软雅黑" panose="020B0503020204020204" pitchFamily="34" charset="-122"/>
+                  <a:ea typeface="微软雅黑" panose="020B0503020204020204" pitchFamily="34" charset="-122"/>
+                </a:rPr>
+                <a:t>元</a:t>
+              </a:r>
+              <a:r>
+                <a:rPr lang="en-US" altLang="zh-CN" sz="1100" b="1" dirty="0">
+                  <a:solidFill>
+                    <a:prstClr val="black"/>
+                  </a:solidFill>
+                  <a:latin typeface="微软雅黑" panose="020B0503020204020204" pitchFamily="34" charset="-122"/>
+                  <a:ea typeface="微软雅黑" panose="020B0503020204020204" pitchFamily="34" charset="-122"/>
+                </a:rPr>
+                <a:t>/㎡</a:t>
+              </a:r>
             </a:p>
           </p:txBody>
         </p:sp>
@@ -9745,7 +9933,7 @@
                   <a:latin typeface="微软雅黑" panose="020B0503020204020204" pitchFamily="34" charset="-122"/>
                   <a:ea typeface="微软雅黑" panose="020B0503020204020204" pitchFamily="34" charset="-122"/>
                 </a:rPr>
-                <a:t>7</a:t>
+                <a:t>1</a:t>
               </a:r>
               <a:r>
                 <a:rPr lang="zh-CN" altLang="en-US" sz="1100" b="1" dirty="0">
@@ -9795,7 +9983,7 @@
                   <a:latin typeface="微软雅黑" panose="020B0503020204020204" pitchFamily="34" charset="-122"/>
                   <a:ea typeface="微软雅黑" panose="020B0503020204020204" pitchFamily="34" charset="-122"/>
                 </a:rPr>
-                <a:t>22</a:t>
+                <a:t>10</a:t>
               </a:r>
               <a:r>
                 <a:rPr lang="zh-CN" altLang="en-US" sz="1100" b="1" dirty="0">
@@ -9835,7 +10023,7 @@
                   <a:latin typeface="微软雅黑" panose="020B0503020204020204" pitchFamily="34" charset="-122"/>
                   <a:ea typeface="微软雅黑" panose="020B0503020204020204" pitchFamily="34" charset="-122"/>
                 </a:rPr>
-                <a:t>28695</a:t>
+                <a:t>28386</a:t>
               </a:r>
               <a:r>
                 <a:rPr lang="zh-CN" altLang="en-US" sz="1100" b="1" dirty="0">
@@ -9905,7 +10093,7 @@
                   <a:latin typeface="微软雅黑" panose="020B0503020204020204" pitchFamily="34" charset="-122"/>
                   <a:ea typeface="微软雅黑" panose="020B0503020204020204" pitchFamily="34" charset="-122"/>
                 </a:rPr>
-                <a:t>24644</a:t>
+                <a:t>25089</a:t>
               </a:r>
               <a:r>
                 <a:rPr lang="zh-CN" altLang="en-US" sz="1100" b="1" dirty="0">
@@ -10321,7 +10509,7 @@
                   <a:latin typeface="微软雅黑" panose="020B0503020204020204" pitchFamily="34" charset="-122"/>
                   <a:ea typeface="微软雅黑" panose="020B0503020204020204" pitchFamily="34" charset="-122"/>
                 </a:rPr>
-                <a:t>169</a:t>
+                <a:t>222</a:t>
               </a:r>
               <a:r>
                 <a:rPr lang="zh-CN" altLang="en-US" sz="1100" b="1" dirty="0">
@@ -10361,7 +10549,7 @@
                   <a:latin typeface="微软雅黑" panose="020B0503020204020204" pitchFamily="34" charset="-122"/>
                   <a:ea typeface="微软雅黑" panose="020B0503020204020204" pitchFamily="34" charset="-122"/>
                 </a:rPr>
-                <a:t>24035</a:t>
+                <a:t>24107</a:t>
               </a:r>
               <a:r>
                 <a:rPr lang="zh-CN" altLang="en-US" sz="1100" b="1" dirty="0">
@@ -11241,14 +11429,14 @@
           <p:nvPr>
             <p:extLst>
               <p:ext uri="{D42A27DB-BD31-4B8C-83A1-F6EECF244321}">
-                <p14:modId xmlns:p14="http://schemas.microsoft.com/office/powerpoint/2010/main" val="2652831012"/>
+                <p14:modId xmlns:p14="http://schemas.microsoft.com/office/powerpoint/2010/main" val="747357491"/>
               </p:ext>
             </p:extLst>
           </p:nvPr>
         </p:nvGraphicFramePr>
         <p:xfrm>
           <a:off x="5497194" y="1637620"/>
-          <a:ext cx="4559383" cy="4025319"/>
+          <a:ext cx="4559383" cy="3915649"/>
         </p:xfrm>
         <a:graphic>
           <a:graphicData uri="http://schemas.openxmlformats.org/drawingml/2006/table">
@@ -11264,28 +11452,28 @@
                     </a:ext>
                   </a:extLst>
                 </a:gridCol>
-                <a:gridCol w="1130998">
+                <a:gridCol w="1347022">
                   <a:extLst>
                     <a:ext uri="{9D8B030D-6E8A-4147-A177-3AD203B41FA5}">
                       <a16:colId xmlns:a16="http://schemas.microsoft.com/office/drawing/2014/main" val="2688675730"/>
                     </a:ext>
                   </a:extLst>
                 </a:gridCol>
-                <a:gridCol w="532384">
+                <a:gridCol w="504056">
                   <a:extLst>
                     <a:ext uri="{9D8B030D-6E8A-4147-A177-3AD203B41FA5}">
                       <a16:colId xmlns:a16="http://schemas.microsoft.com/office/drawing/2014/main" val="3944813343"/>
                     </a:ext>
                   </a:extLst>
                 </a:gridCol>
-                <a:gridCol w="623857">
+                <a:gridCol w="576064">
                   <a:extLst>
                     <a:ext uri="{9D8B030D-6E8A-4147-A177-3AD203B41FA5}">
                       <a16:colId xmlns:a16="http://schemas.microsoft.com/office/drawing/2014/main" val="3961773158"/>
                     </a:ext>
                   </a:extLst>
                 </a:gridCol>
-                <a:gridCol w="567144">
+                <a:gridCol w="427241">
                   <a:extLst>
                     <a:ext uri="{9D8B030D-6E8A-4147-A177-3AD203B41FA5}">
                       <a16:colId xmlns:a16="http://schemas.microsoft.com/office/drawing/2014/main" val="2259372686"/>
@@ -11641,8 +11829,10 @@
                       </a:r>
                     </a:p>
                   </a:txBody>
-                  <a:tcPr marL="57150" marR="57150" marT="57150" marB="57150">
-                    <a:noFill/>
+                  <a:tcPr marL="57150" marR="57150" marT="57150" marB="57150" anchor="ctr">
+                    <a:solidFill>
+                      <a:srgbClr val="C0504D"/>
+                    </a:solidFill>
                   </a:tcPr>
                 </a:tc>
                 <a:tc>
@@ -11652,7 +11842,7 @@
                     <a:p>
                       <a:pPr marL="0" algn="ctr" defTabSz="1051286" rtl="0" eaLnBrk="1" fontAlgn="ctr" latinLnBrk="0" hangingPunct="1"/>
                       <a:r>
-                        <a:rPr lang="zh-CN" altLang="en-US" sz="1100" u="none" strike="noStrike" kern="1200">
+                        <a:rPr lang="zh-CN" altLang="en-US" sz="1100" u="none" strike="noStrike" kern="1200" dirty="0">
                           <a:solidFill>
                             <a:schemeClr val="tx1"/>
                           </a:solidFill>
@@ -11661,12 +11851,14 @@
                           <a:ea typeface="微软雅黑" panose="020B0503020204020204" pitchFamily="34" charset="-122"/>
                           <a:cs typeface="+mn-cs"/>
                         </a:rPr>
-                        <a:t>中海桃源里</a:t>
+                        <a:t>南京溧水万达广场</a:t>
                       </a:r>
                     </a:p>
                   </a:txBody>
                   <a:tcPr marL="57150" marR="57150" marT="57150" marB="57150" anchor="ctr">
-                    <a:noFill/>
+                    <a:solidFill>
+                      <a:srgbClr val="C0504D"/>
+                    </a:solidFill>
                   </a:tcPr>
                 </a:tc>
                 <a:tc>
@@ -11676,7 +11868,7 @@
                     <a:p>
                       <a:pPr marL="0" algn="ctr" defTabSz="1051286" rtl="0" eaLnBrk="1" fontAlgn="ctr" latinLnBrk="0" hangingPunct="1"/>
                       <a:r>
-                        <a:rPr lang="zh-CN" altLang="en-US" sz="1100" u="none" strike="noStrike" kern="1200">
+                        <a:rPr lang="zh-CN" altLang="en-US" sz="1100" u="none" strike="noStrike" kern="1200" dirty="0">
                           <a:solidFill>
                             <a:schemeClr val="tx1"/>
                           </a:solidFill>
@@ -11685,12 +11877,14 @@
                           <a:ea typeface="微软雅黑" panose="020B0503020204020204" pitchFamily="34" charset="-122"/>
                           <a:cs typeface="+mn-cs"/>
                         </a:rPr>
-                        <a:t>城北</a:t>
+                        <a:t>溧水</a:t>
                       </a:r>
                     </a:p>
                   </a:txBody>
                   <a:tcPr marL="57150" marR="57150" marT="57150" marB="57150" anchor="ctr">
-                    <a:noFill/>
+                    <a:solidFill>
+                      <a:srgbClr val="C0504D"/>
+                    </a:solidFill>
                   </a:tcPr>
                 </a:tc>
                 <a:tc>
@@ -11700,7 +11894,7 @@
                     <a:p>
                       <a:pPr marL="0" algn="ctr" defTabSz="1051286" rtl="0" eaLnBrk="1" fontAlgn="ctr" latinLnBrk="0" hangingPunct="1"/>
                       <a:r>
-                        <a:rPr lang="en-US" altLang="zh-CN" sz="1100" u="none" strike="noStrike" kern="1200">
+                        <a:rPr lang="en-US" altLang="zh-CN" sz="1100" u="none" strike="noStrike" kern="1200" dirty="0">
                           <a:solidFill>
                             <a:schemeClr val="tx1"/>
                           </a:solidFill>
@@ -11709,12 +11903,14 @@
                           <a:ea typeface="微软雅黑" panose="020B0503020204020204" pitchFamily="34" charset="-122"/>
                           <a:cs typeface="+mn-cs"/>
                         </a:rPr>
-                        <a:t>6.50</a:t>
+                        <a:t>6.01</a:t>
                       </a:r>
                     </a:p>
                   </a:txBody>
                   <a:tcPr marL="57150" marR="57150" marT="57150" marB="57150" anchor="ctr">
-                    <a:noFill/>
+                    <a:solidFill>
+                      <a:srgbClr val="C0504D"/>
+                    </a:solidFill>
                   </a:tcPr>
                 </a:tc>
                 <a:tc>
@@ -11724,7 +11920,7 @@
                     <a:p>
                       <a:pPr marL="0" algn="ctr" defTabSz="1051286" rtl="0" eaLnBrk="1" fontAlgn="ctr" latinLnBrk="0" hangingPunct="1"/>
                       <a:r>
-                        <a:rPr lang="en-US" altLang="zh-CN" sz="1100" u="none" strike="noStrike" kern="1200">
+                        <a:rPr lang="en-US" altLang="zh-CN" sz="1100" u="none" strike="noStrike" kern="1200" dirty="0">
                           <a:solidFill>
                             <a:schemeClr val="tx1"/>
                           </a:solidFill>
@@ -11733,12 +11929,14 @@
                           <a:ea typeface="微软雅黑" panose="020B0503020204020204" pitchFamily="34" charset="-122"/>
                           <a:cs typeface="+mn-cs"/>
                         </a:rPr>
-                        <a:t>454</a:t>
+                        <a:t>537</a:t>
                       </a:r>
                     </a:p>
                   </a:txBody>
                   <a:tcPr marL="57150" marR="57150" marT="57150" marB="57150" anchor="ctr">
-                    <a:noFill/>
+                    <a:solidFill>
+                      <a:srgbClr val="C0504D"/>
+                    </a:solidFill>
                   </a:tcPr>
                 </a:tc>
                 <a:tc>
@@ -11748,7 +11946,7 @@
                     <a:p>
                       <a:pPr marL="0" algn="ctr" defTabSz="1051286" rtl="0" eaLnBrk="1" fontAlgn="ctr" latinLnBrk="0" hangingPunct="1"/>
                       <a:r>
-                        <a:rPr lang="en-US" altLang="zh-CN" sz="1100" u="none" strike="noStrike" kern="1200">
+                        <a:rPr lang="en-US" altLang="zh-CN" sz="1100" u="none" strike="noStrike" kern="1200" dirty="0">
                           <a:solidFill>
                             <a:schemeClr val="tx1"/>
                           </a:solidFill>
@@ -11757,12 +11955,14 @@
                           <a:ea typeface="微软雅黑" panose="020B0503020204020204" pitchFamily="34" charset="-122"/>
                           <a:cs typeface="+mn-cs"/>
                         </a:rPr>
-                        <a:t>25.36</a:t>
+                        <a:t>7.06</a:t>
                       </a:r>
                     </a:p>
                   </a:txBody>
                   <a:tcPr marL="57150" marR="57150" marT="57150" marB="57150" anchor="ctr">
-                    <a:noFill/>
+                    <a:solidFill>
+                      <a:srgbClr val="C0504D"/>
+                    </a:solidFill>
                   </a:tcPr>
                 </a:tc>
                 <a:tc>
@@ -11772,7 +11972,7 @@
                     <a:p>
                       <a:pPr marL="0" algn="ctr" defTabSz="1051286" rtl="0" eaLnBrk="1" fontAlgn="ctr" latinLnBrk="0" hangingPunct="1"/>
                       <a:r>
-                        <a:rPr lang="en-US" altLang="zh-CN" sz="1100" u="none" strike="noStrike" kern="1200">
+                        <a:rPr lang="en-US" altLang="zh-CN" sz="1100" u="none" strike="noStrike" kern="1200" dirty="0">
                           <a:solidFill>
                             <a:schemeClr val="tx1"/>
                           </a:solidFill>
@@ -11781,12 +11981,14 @@
                           <a:ea typeface="微软雅黑" panose="020B0503020204020204" pitchFamily="34" charset="-122"/>
                           <a:cs typeface="+mn-cs"/>
                         </a:rPr>
-                        <a:t>38993</a:t>
+                        <a:t>11758</a:t>
                       </a:r>
                     </a:p>
                   </a:txBody>
                   <a:tcPr marL="57150" marR="57150" marT="57150" marB="57150" anchor="ctr">
-                    <a:noFill/>
+                    <a:solidFill>
+                      <a:srgbClr val="C0504D"/>
+                    </a:solidFill>
                   </a:tcPr>
                 </a:tc>
                 <a:extLst>
@@ -11803,6 +12005,84 @@
                     <a:p>
                       <a:pPr marL="0" algn="ctr" defTabSz="1051286" rtl="0" eaLnBrk="1" fontAlgn="ctr" latinLnBrk="0" hangingPunct="1"/>
                       <a:r>
+                        <a:rPr lang="en-US" altLang="zh-CN" sz="1100" u="none" strike="noStrike" kern="1200" dirty="0">
+                          <a:solidFill>
+                            <a:schemeClr val="tx1"/>
+                          </a:solidFill>
+                          <a:effectLst/>
+                          <a:latin typeface="微软雅黑" panose="020B0503020204020204" pitchFamily="34" charset="-122"/>
+                          <a:ea typeface="微软雅黑" panose="020B0503020204020204" pitchFamily="34" charset="-122"/>
+                          <a:cs typeface="+mn-cs"/>
+                        </a:rPr>
+                        <a:t>2</a:t>
+                      </a:r>
+                    </a:p>
+                  </a:txBody>
+                  <a:tcPr marL="57150" marR="57150" marT="57150" marB="57150" anchor="ctr">
+                    <a:solidFill>
+                      <a:srgbClr val="9BBB59"/>
+                    </a:solidFill>
+                  </a:tcPr>
+                </a:tc>
+                <a:tc>
+                  <a:txBody>
+                    <a:bodyPr/>
+                    <a:lstStyle/>
+                    <a:p>
+                      <a:pPr marL="0" algn="ctr" defTabSz="1051286" rtl="0" eaLnBrk="1" fontAlgn="ctr" latinLnBrk="0" hangingPunct="1"/>
+                      <a:r>
+                        <a:rPr lang="zh-CN" altLang="en-US" sz="1100" u="none" strike="noStrike" kern="1200" dirty="0">
+                          <a:solidFill>
+                            <a:schemeClr val="tx1"/>
+                          </a:solidFill>
+                          <a:effectLst/>
+                          <a:latin typeface="微软雅黑" panose="020B0503020204020204" pitchFamily="34" charset="-122"/>
+                          <a:ea typeface="微软雅黑" panose="020B0503020204020204" pitchFamily="34" charset="-122"/>
+                          <a:cs typeface="+mn-cs"/>
+                        </a:rPr>
+                        <a:t>融侨悦城</a:t>
+                      </a:r>
+                    </a:p>
+                  </a:txBody>
+                  <a:tcPr marL="57150" marR="57150" marT="57150" marB="57150" anchor="ctr">
+                    <a:solidFill>
+                      <a:srgbClr val="9BBB59"/>
+                    </a:solidFill>
+                  </a:tcPr>
+                </a:tc>
+                <a:tc>
+                  <a:txBody>
+                    <a:bodyPr/>
+                    <a:lstStyle/>
+                    <a:p>
+                      <a:pPr marL="0" algn="ctr" defTabSz="1051286" rtl="0" eaLnBrk="1" fontAlgn="ctr" latinLnBrk="0" hangingPunct="1"/>
+                      <a:r>
+                        <a:rPr lang="zh-CN" altLang="en-US" sz="1100" u="none" strike="noStrike" kern="1200" dirty="0">
+                          <a:solidFill>
+                            <a:schemeClr val="tx1"/>
+                          </a:solidFill>
+                          <a:effectLst/>
+                          <a:latin typeface="微软雅黑" panose="020B0503020204020204" pitchFamily="34" charset="-122"/>
+                          <a:ea typeface="微软雅黑" panose="020B0503020204020204" pitchFamily="34" charset="-122"/>
+                          <a:cs typeface="+mn-cs"/>
+                        </a:rPr>
+                        <a:t>江宁</a:t>
+                      </a:r>
+                    </a:p>
+                  </a:txBody>
+                  <a:tcPr marL="57150" marR="57150" marT="57150" marB="57150" anchor="ctr">
+                    <a:solidFill>
+                      <a:srgbClr val="9BBB59"/>
+                    </a:solidFill>
+                  </a:tcPr>
+                </a:tc>
+                <a:tc>
+                  <a:txBody>
+                    <a:bodyPr/>
+                    <a:lstStyle/>
+                    <a:p>
+                      <a:pPr marL="0" algn="ctr" defTabSz="1051286" rtl="0" eaLnBrk="1" fontAlgn="ctr" latinLnBrk="0" hangingPunct="1"/>
+                      <a:r>
                         <a:rPr lang="en-US" altLang="zh-CN" sz="1100" u="none" strike="noStrike" kern="1200">
                           <a:solidFill>
                             <a:schemeClr val="tx1"/>
@@ -11812,12 +12092,14 @@
                           <a:ea typeface="微软雅黑" panose="020B0503020204020204" pitchFamily="34" charset="-122"/>
                           <a:cs typeface="+mn-cs"/>
                         </a:rPr>
-                        <a:t>2</a:t>
-                      </a:r>
-                    </a:p>
-                  </a:txBody>
-                  <a:tcPr marL="57150" marR="57150" marT="57150" marB="57150">
-                    <a:noFill/>
+                        <a:t>3.88</a:t>
+                      </a:r>
+                    </a:p>
+                  </a:txBody>
+                  <a:tcPr marL="57150" marR="57150" marT="57150" marB="57150" anchor="ctr">
+                    <a:solidFill>
+                      <a:srgbClr val="9BBB59"/>
+                    </a:solidFill>
                   </a:tcPr>
                 </a:tc>
                 <a:tc>
@@ -11827,7 +12109,7 @@
                     <a:p>
                       <a:pPr marL="0" algn="ctr" defTabSz="1051286" rtl="0" eaLnBrk="1" fontAlgn="ctr" latinLnBrk="0" hangingPunct="1"/>
                       <a:r>
-                        <a:rPr lang="zh-CN" altLang="en-US" sz="1100" u="none" strike="noStrike" kern="1200" dirty="0">
+                        <a:rPr lang="en-US" altLang="zh-CN" sz="1100" u="none" strike="noStrike" kern="1200">
                           <a:solidFill>
                             <a:schemeClr val="tx1"/>
                           </a:solidFill>
@@ -11836,12 +12118,14 @@
                           <a:ea typeface="微软雅黑" panose="020B0503020204020204" pitchFamily="34" charset="-122"/>
                           <a:cs typeface="+mn-cs"/>
                         </a:rPr>
-                        <a:t>电建中储泛悦城市广场</a:t>
+                        <a:t>369</a:t>
                       </a:r>
                     </a:p>
                   </a:txBody>
                   <a:tcPr marL="57150" marR="57150" marT="57150" marB="57150" anchor="ctr">
-                    <a:noFill/>
+                    <a:solidFill>
+                      <a:srgbClr val="9BBB59"/>
+                    </a:solidFill>
                   </a:tcPr>
                 </a:tc>
                 <a:tc>
@@ -11851,7 +12135,7 @@
                     <a:p>
                       <a:pPr marL="0" algn="ctr" defTabSz="1051286" rtl="0" eaLnBrk="1" fontAlgn="ctr" latinLnBrk="0" hangingPunct="1"/>
                       <a:r>
-                        <a:rPr lang="zh-CN" altLang="en-US" sz="1100" u="none" strike="noStrike" kern="1200">
+                        <a:rPr lang="en-US" altLang="zh-CN" sz="1100" u="none" strike="noStrike" kern="1200" dirty="0">
                           <a:solidFill>
                             <a:schemeClr val="tx1"/>
                           </a:solidFill>
@@ -11860,12 +12144,14 @@
                           <a:ea typeface="微软雅黑" panose="020B0503020204020204" pitchFamily="34" charset="-122"/>
                           <a:cs typeface="+mn-cs"/>
                         </a:rPr>
-                        <a:t>城北</a:t>
+                        <a:t>8.83</a:t>
                       </a:r>
                     </a:p>
                   </a:txBody>
                   <a:tcPr marL="57150" marR="57150" marT="57150" marB="57150" anchor="ctr">
-                    <a:noFill/>
+                    <a:solidFill>
+                      <a:srgbClr val="9BBB59"/>
+                    </a:solidFill>
                   </a:tcPr>
                 </a:tc>
                 <a:tc>
@@ -11875,7 +12161,7 @@
                     <a:p>
                       <a:pPr marL="0" algn="ctr" defTabSz="1051286" rtl="0" eaLnBrk="1" fontAlgn="ctr" latinLnBrk="0" hangingPunct="1"/>
                       <a:r>
-                        <a:rPr lang="en-US" altLang="zh-CN" sz="1100" u="none" strike="noStrike" kern="1200">
+                        <a:rPr lang="en-US" altLang="zh-CN" sz="1100" u="none" strike="noStrike" kern="1200" dirty="0">
                           <a:solidFill>
                             <a:schemeClr val="tx1"/>
                           </a:solidFill>
@@ -11884,84 +12170,14 @@
                           <a:ea typeface="微软雅黑" panose="020B0503020204020204" pitchFamily="34" charset="-122"/>
                           <a:cs typeface="+mn-cs"/>
                         </a:rPr>
-                        <a:t>2.27</a:t>
+                        <a:t>22772</a:t>
                       </a:r>
                     </a:p>
                   </a:txBody>
                   <a:tcPr marL="57150" marR="57150" marT="57150" marB="57150" anchor="ctr">
-                    <a:noFill/>
-                  </a:tcPr>
-                </a:tc>
-                <a:tc>
-                  <a:txBody>
-                    <a:bodyPr/>
-                    <a:lstStyle/>
-                    <a:p>
-                      <a:pPr marL="0" algn="ctr" defTabSz="1051286" rtl="0" eaLnBrk="1" fontAlgn="ctr" latinLnBrk="0" hangingPunct="1"/>
-                      <a:r>
-                        <a:rPr lang="en-US" altLang="zh-CN" sz="1100" u="none" strike="noStrike" kern="1200">
-                          <a:solidFill>
-                            <a:schemeClr val="tx1"/>
-                          </a:solidFill>
-                          <a:effectLst/>
-                          <a:latin typeface="微软雅黑" panose="020B0503020204020204" pitchFamily="34" charset="-122"/>
-                          <a:ea typeface="微软雅黑" panose="020B0503020204020204" pitchFamily="34" charset="-122"/>
-                          <a:cs typeface="+mn-cs"/>
-                        </a:rPr>
-                        <a:t>191</a:t>
-                      </a:r>
-                    </a:p>
-                  </a:txBody>
-                  <a:tcPr marL="57150" marR="57150" marT="57150" marB="57150" anchor="ctr">
-                    <a:noFill/>
-                  </a:tcPr>
-                </a:tc>
-                <a:tc>
-                  <a:txBody>
-                    <a:bodyPr/>
-                    <a:lstStyle/>
-                    <a:p>
-                      <a:pPr marL="0" algn="ctr" defTabSz="1051286" rtl="0" eaLnBrk="1" fontAlgn="ctr" latinLnBrk="0" hangingPunct="1"/>
-                      <a:r>
-                        <a:rPr lang="en-US" altLang="zh-CN" sz="1100" u="none" strike="noStrike" kern="1200">
-                          <a:solidFill>
-                            <a:schemeClr val="tx1"/>
-                          </a:solidFill>
-                          <a:effectLst/>
-                          <a:latin typeface="微软雅黑" panose="020B0503020204020204" pitchFamily="34" charset="-122"/>
-                          <a:ea typeface="微软雅黑" panose="020B0503020204020204" pitchFamily="34" charset="-122"/>
-                          <a:cs typeface="+mn-cs"/>
-                        </a:rPr>
-                        <a:t>8.10</a:t>
-                      </a:r>
-                    </a:p>
-                  </a:txBody>
-                  <a:tcPr marL="57150" marR="57150" marT="57150" marB="57150" anchor="ctr">
-                    <a:noFill/>
-                  </a:tcPr>
-                </a:tc>
-                <a:tc>
-                  <a:txBody>
-                    <a:bodyPr/>
-                    <a:lstStyle/>
-                    <a:p>
-                      <a:pPr marL="0" algn="ctr" defTabSz="1051286" rtl="0" eaLnBrk="1" fontAlgn="ctr" latinLnBrk="0" hangingPunct="1"/>
-                      <a:r>
-                        <a:rPr lang="en-US" altLang="zh-CN" sz="1100" u="none" strike="noStrike" kern="1200">
-                          <a:solidFill>
-                            <a:schemeClr val="tx1"/>
-                          </a:solidFill>
-                          <a:effectLst/>
-                          <a:latin typeface="微软雅黑" panose="020B0503020204020204" pitchFamily="34" charset="-122"/>
-                          <a:ea typeface="微软雅黑" panose="020B0503020204020204" pitchFamily="34" charset="-122"/>
-                          <a:cs typeface="+mn-cs"/>
-                        </a:rPr>
-                        <a:t>35713</a:t>
-                      </a:r>
-                    </a:p>
-                  </a:txBody>
-                  <a:tcPr marL="57150" marR="57150" marT="57150" marB="57150" anchor="ctr">
-                    <a:noFill/>
+                    <a:solidFill>
+                      <a:srgbClr val="9BBB59"/>
+                    </a:solidFill>
                   </a:tcPr>
                 </a:tc>
                 <a:extLst>
@@ -11978,6 +12194,84 @@
                     <a:p>
                       <a:pPr marL="0" algn="ctr" defTabSz="1051286" rtl="0" eaLnBrk="1" fontAlgn="ctr" latinLnBrk="0" hangingPunct="1"/>
                       <a:r>
+                        <a:rPr lang="en-US" altLang="zh-CN" sz="1100" u="none" strike="noStrike" kern="1200" dirty="0">
+                          <a:solidFill>
+                            <a:schemeClr val="tx1"/>
+                          </a:solidFill>
+                          <a:effectLst/>
+                          <a:latin typeface="微软雅黑" panose="020B0503020204020204" pitchFamily="34" charset="-122"/>
+                          <a:ea typeface="微软雅黑" panose="020B0503020204020204" pitchFamily="34" charset="-122"/>
+                          <a:cs typeface="+mn-cs"/>
+                        </a:rPr>
+                        <a:t>3</a:t>
+                      </a:r>
+                    </a:p>
+                  </a:txBody>
+                  <a:tcPr marL="57150" marR="57150" marT="57150" marB="57150" anchor="ctr">
+                    <a:solidFill>
+                      <a:srgbClr val="C0504D"/>
+                    </a:solidFill>
+                  </a:tcPr>
+                </a:tc>
+                <a:tc>
+                  <a:txBody>
+                    <a:bodyPr/>
+                    <a:lstStyle/>
+                    <a:p>
+                      <a:pPr marL="0" algn="ctr" defTabSz="1051286" rtl="0" eaLnBrk="1" fontAlgn="ctr" latinLnBrk="0" hangingPunct="1"/>
+                      <a:r>
+                        <a:rPr lang="zh-CN" altLang="en-US" sz="1100" u="none" strike="noStrike" kern="1200" dirty="0">
+                          <a:solidFill>
+                            <a:schemeClr val="tx1"/>
+                          </a:solidFill>
+                          <a:effectLst/>
+                          <a:latin typeface="微软雅黑" panose="020B0503020204020204" pitchFamily="34" charset="-122"/>
+                          <a:ea typeface="微软雅黑" panose="020B0503020204020204" pitchFamily="34" charset="-122"/>
+                          <a:cs typeface="+mn-cs"/>
+                        </a:rPr>
+                        <a:t>天岳城</a:t>
+                      </a:r>
+                    </a:p>
+                  </a:txBody>
+                  <a:tcPr marL="57150" marR="57150" marT="57150" marB="57150" anchor="ctr">
+                    <a:solidFill>
+                      <a:srgbClr val="C0504D"/>
+                    </a:solidFill>
+                  </a:tcPr>
+                </a:tc>
+                <a:tc>
+                  <a:txBody>
+                    <a:bodyPr/>
+                    <a:lstStyle/>
+                    <a:p>
+                      <a:pPr marL="0" algn="ctr" defTabSz="1051286" rtl="0" eaLnBrk="1" fontAlgn="ctr" latinLnBrk="0" hangingPunct="1"/>
+                      <a:r>
+                        <a:rPr lang="zh-CN" altLang="en-US" sz="1100" u="none" strike="noStrike" kern="1200">
+                          <a:solidFill>
+                            <a:schemeClr val="tx1"/>
+                          </a:solidFill>
+                          <a:effectLst/>
+                          <a:latin typeface="微软雅黑" panose="020B0503020204020204" pitchFamily="34" charset="-122"/>
+                          <a:ea typeface="微软雅黑" panose="020B0503020204020204" pitchFamily="34" charset="-122"/>
+                          <a:cs typeface="+mn-cs"/>
+                        </a:rPr>
+                        <a:t>溧水</a:t>
+                      </a:r>
+                    </a:p>
+                  </a:txBody>
+                  <a:tcPr marL="57150" marR="57150" marT="57150" marB="57150" anchor="ctr">
+                    <a:solidFill>
+                      <a:srgbClr val="C0504D"/>
+                    </a:solidFill>
+                  </a:tcPr>
+                </a:tc>
+                <a:tc>
+                  <a:txBody>
+                    <a:bodyPr/>
+                    <a:lstStyle/>
+                    <a:p>
+                      <a:pPr marL="0" algn="ctr" defTabSz="1051286" rtl="0" eaLnBrk="1" fontAlgn="ctr" latinLnBrk="0" hangingPunct="1"/>
+                      <a:r>
                         <a:rPr lang="en-US" altLang="zh-CN" sz="1100" u="none" strike="noStrike" kern="1200">
                           <a:solidFill>
                             <a:schemeClr val="tx1"/>
@@ -11987,12 +12281,14 @@
                           <a:ea typeface="微软雅黑" panose="020B0503020204020204" pitchFamily="34" charset="-122"/>
                           <a:cs typeface="+mn-cs"/>
                         </a:rPr>
-                        <a:t>3</a:t>
-                      </a:r>
-                    </a:p>
-                  </a:txBody>
-                  <a:tcPr marL="57150" marR="57150" marT="57150" marB="57150">
-                    <a:noFill/>
+                        <a:t>2.74</a:t>
+                      </a:r>
+                    </a:p>
+                  </a:txBody>
+                  <a:tcPr marL="57150" marR="57150" marT="57150" marB="57150" anchor="ctr">
+                    <a:solidFill>
+                      <a:srgbClr val="C0504D"/>
+                    </a:solidFill>
                   </a:tcPr>
                 </a:tc>
                 <a:tc>
@@ -12002,7 +12298,7 @@
                     <a:p>
                       <a:pPr marL="0" algn="ctr" defTabSz="1051286" rtl="0" eaLnBrk="1" fontAlgn="ctr" latinLnBrk="0" hangingPunct="1"/>
                       <a:r>
-                        <a:rPr lang="zh-CN" altLang="en-US" sz="1100" u="none" strike="noStrike" kern="1200" dirty="0">
+                        <a:rPr lang="en-US" altLang="zh-CN" sz="1100" u="none" strike="noStrike" kern="1200">
                           <a:solidFill>
                             <a:schemeClr val="tx1"/>
                           </a:solidFill>
@@ -12011,12 +12307,14 @@
                           <a:ea typeface="微软雅黑" panose="020B0503020204020204" pitchFamily="34" charset="-122"/>
                           <a:cs typeface="+mn-cs"/>
                         </a:rPr>
-                        <a:t>荣盛鹭岛荣府</a:t>
+                        <a:t>247</a:t>
                       </a:r>
                     </a:p>
                   </a:txBody>
                   <a:tcPr marL="57150" marR="57150" marT="57150" marB="57150" anchor="ctr">
-                    <a:noFill/>
+                    <a:solidFill>
+                      <a:srgbClr val="C0504D"/>
+                    </a:solidFill>
                   </a:tcPr>
                 </a:tc>
                 <a:tc>
@@ -12026,7 +12324,7 @@
                     <a:p>
                       <a:pPr marL="0" algn="ctr" defTabSz="1051286" rtl="0" eaLnBrk="1" fontAlgn="ctr" latinLnBrk="0" hangingPunct="1"/>
                       <a:r>
-                        <a:rPr lang="zh-CN" altLang="en-US" sz="1100" u="none" strike="noStrike" kern="1200">
+                        <a:rPr lang="en-US" altLang="zh-CN" sz="1100" u="none" strike="noStrike" kern="1200">
                           <a:solidFill>
                             <a:schemeClr val="tx1"/>
                           </a:solidFill>
@@ -12035,12 +12333,14 @@
                           <a:ea typeface="微软雅黑" panose="020B0503020204020204" pitchFamily="34" charset="-122"/>
                           <a:cs typeface="+mn-cs"/>
                         </a:rPr>
-                        <a:t>六合</a:t>
+                        <a:t>2.22</a:t>
                       </a:r>
                     </a:p>
                   </a:txBody>
                   <a:tcPr marL="57150" marR="57150" marT="57150" marB="57150" anchor="ctr">
-                    <a:noFill/>
+                    <a:solidFill>
+                      <a:srgbClr val="C0504D"/>
+                    </a:solidFill>
                   </a:tcPr>
                 </a:tc>
                 <a:tc>
@@ -12059,84 +12359,14 @@
                           <a:ea typeface="微软雅黑" panose="020B0503020204020204" pitchFamily="34" charset="-122"/>
                           <a:cs typeface="+mn-cs"/>
                         </a:rPr>
-                        <a:t>2.08</a:t>
+                        <a:t>8118</a:t>
                       </a:r>
                     </a:p>
                   </a:txBody>
                   <a:tcPr marL="57150" marR="57150" marT="57150" marB="57150" anchor="ctr">
-                    <a:noFill/>
-                  </a:tcPr>
-                </a:tc>
-                <a:tc>
-                  <a:txBody>
-                    <a:bodyPr/>
-                    <a:lstStyle/>
-                    <a:p>
-                      <a:pPr marL="0" algn="ctr" defTabSz="1051286" rtl="0" eaLnBrk="1" fontAlgn="ctr" latinLnBrk="0" hangingPunct="1"/>
-                      <a:r>
-                        <a:rPr lang="en-US" altLang="zh-CN" sz="1100" u="none" strike="noStrike" kern="1200">
-                          <a:solidFill>
-                            <a:schemeClr val="tx1"/>
-                          </a:solidFill>
-                          <a:effectLst/>
-                          <a:latin typeface="微软雅黑" panose="020B0503020204020204" pitchFamily="34" charset="-122"/>
-                          <a:ea typeface="微软雅黑" panose="020B0503020204020204" pitchFamily="34" charset="-122"/>
-                          <a:cs typeface="+mn-cs"/>
-                        </a:rPr>
-                        <a:t>195</a:t>
-                      </a:r>
-                    </a:p>
-                  </a:txBody>
-                  <a:tcPr marL="57150" marR="57150" marT="57150" marB="57150" anchor="ctr">
-                    <a:noFill/>
-                  </a:tcPr>
-                </a:tc>
-                <a:tc>
-                  <a:txBody>
-                    <a:bodyPr/>
-                    <a:lstStyle/>
-                    <a:p>
-                      <a:pPr marL="0" algn="ctr" defTabSz="1051286" rtl="0" eaLnBrk="1" fontAlgn="ctr" latinLnBrk="0" hangingPunct="1"/>
-                      <a:r>
-                        <a:rPr lang="en-US" altLang="zh-CN" sz="1100" u="none" strike="noStrike" kern="1200">
-                          <a:solidFill>
-                            <a:schemeClr val="tx1"/>
-                          </a:solidFill>
-                          <a:effectLst/>
-                          <a:latin typeface="微软雅黑" panose="020B0503020204020204" pitchFamily="34" charset="-122"/>
-                          <a:ea typeface="微软雅黑" panose="020B0503020204020204" pitchFamily="34" charset="-122"/>
-                          <a:cs typeface="+mn-cs"/>
-                        </a:rPr>
-                        <a:t>2.39</a:t>
-                      </a:r>
-                    </a:p>
-                  </a:txBody>
-                  <a:tcPr marL="57150" marR="57150" marT="57150" marB="57150" anchor="ctr">
-                    <a:noFill/>
-                  </a:tcPr>
-                </a:tc>
-                <a:tc>
-                  <a:txBody>
-                    <a:bodyPr/>
-                    <a:lstStyle/>
-                    <a:p>
-                      <a:pPr marL="0" algn="ctr" defTabSz="1051286" rtl="0" eaLnBrk="1" fontAlgn="ctr" latinLnBrk="0" hangingPunct="1"/>
-                      <a:r>
-                        <a:rPr lang="en-US" altLang="zh-CN" sz="1100" u="none" strike="noStrike" kern="1200">
-                          <a:solidFill>
-                            <a:schemeClr val="tx1"/>
-                          </a:solidFill>
-                          <a:effectLst/>
-                          <a:latin typeface="微软雅黑" panose="020B0503020204020204" pitchFamily="34" charset="-122"/>
-                          <a:ea typeface="微软雅黑" panose="020B0503020204020204" pitchFamily="34" charset="-122"/>
-                          <a:cs typeface="+mn-cs"/>
-                        </a:rPr>
-                        <a:t>11515</a:t>
-                      </a:r>
-                    </a:p>
-                  </a:txBody>
-                  <a:tcPr marL="57150" marR="57150" marT="57150" marB="57150" anchor="ctr">
-                    <a:noFill/>
+                    <a:solidFill>
+                      <a:srgbClr val="C0504D"/>
+                    </a:solidFill>
                   </a:tcPr>
                 </a:tc>
                 <a:extLst>
@@ -12166,8 +12396,10 @@
                       </a:r>
                     </a:p>
                   </a:txBody>
-                  <a:tcPr marL="57150" marR="57150" marT="57150" marB="57150">
-                    <a:noFill/>
+                  <a:tcPr marL="57150" marR="57150" marT="57150" marB="57150" anchor="ctr">
+                    <a:solidFill>
+                      <a:srgbClr val="C0504D"/>
+                    </a:solidFill>
                   </a:tcPr>
                 </a:tc>
                 <a:tc>
@@ -12177,6 +12409,32 @@
                     <a:p>
                       <a:pPr marL="0" algn="ctr" defTabSz="1051286" rtl="0" eaLnBrk="1" fontAlgn="ctr" latinLnBrk="0" hangingPunct="1"/>
                       <a:r>
+                        <a:rPr lang="zh-CN" altLang="en-US" sz="1100" u="none" strike="noStrike" kern="1200">
+                          <a:solidFill>
+                            <a:schemeClr val="tx1"/>
+                          </a:solidFill>
+                          <a:effectLst/>
+                          <a:latin typeface="微软雅黑" panose="020B0503020204020204" pitchFamily="34" charset="-122"/>
+                          <a:ea typeface="微软雅黑" panose="020B0503020204020204" pitchFamily="34" charset="-122"/>
+                          <a:cs typeface="+mn-cs"/>
+                        </a:rPr>
+                        <a:t>恒大金碧天下</a:t>
+                      </a:r>
+                    </a:p>
+                  </a:txBody>
+                  <a:tcPr marL="57150" marR="57150" marT="57150" marB="57150" anchor="ctr">
+                    <a:solidFill>
+                      <a:srgbClr val="C0504D"/>
+                    </a:solidFill>
+                  </a:tcPr>
+                </a:tc>
+                <a:tc>
+                  <a:txBody>
+                    <a:bodyPr/>
+                    <a:lstStyle/>
+                    <a:p>
+                      <a:pPr marL="0" algn="ctr" defTabSz="1051286" rtl="0" eaLnBrk="1" fontAlgn="ctr" latinLnBrk="0" hangingPunct="1"/>
+                      <a:r>
                         <a:rPr lang="zh-CN" altLang="en-US" sz="1100" u="none" strike="noStrike" kern="1200" dirty="0">
                           <a:solidFill>
                             <a:schemeClr val="tx1"/>
@@ -12186,12 +12444,14 @@
                           <a:ea typeface="微软雅黑" panose="020B0503020204020204" pitchFamily="34" charset="-122"/>
                           <a:cs typeface="+mn-cs"/>
                         </a:rPr>
-                        <a:t>苏宁威尼斯水城</a:t>
+                        <a:t>溧水</a:t>
                       </a:r>
                     </a:p>
                   </a:txBody>
                   <a:tcPr marL="57150" marR="57150" marT="57150" marB="57150" anchor="ctr">
-                    <a:noFill/>
+                    <a:solidFill>
+                      <a:srgbClr val="C0504D"/>
+                    </a:solidFill>
                   </a:tcPr>
                 </a:tc>
                 <a:tc>
@@ -12201,7 +12461,7 @@
                     <a:p>
                       <a:pPr marL="0" algn="ctr" defTabSz="1051286" rtl="0" eaLnBrk="1" fontAlgn="ctr" latinLnBrk="0" hangingPunct="1"/>
                       <a:r>
-                        <a:rPr lang="zh-CN" altLang="en-US" sz="1100" u="none" strike="noStrike" kern="1200">
+                        <a:rPr lang="en-US" altLang="zh-CN" sz="1100" u="none" strike="noStrike" kern="1200" dirty="0">
                           <a:solidFill>
                             <a:schemeClr val="tx1"/>
                           </a:solidFill>
@@ -12210,12 +12470,14 @@
                           <a:ea typeface="微软雅黑" panose="020B0503020204020204" pitchFamily="34" charset="-122"/>
                           <a:cs typeface="+mn-cs"/>
                         </a:rPr>
-                        <a:t>江北</a:t>
+                        <a:t>2.58</a:t>
                       </a:r>
                     </a:p>
                   </a:txBody>
                   <a:tcPr marL="57150" marR="57150" marT="57150" marB="57150" anchor="ctr">
-                    <a:noFill/>
+                    <a:solidFill>
+                      <a:srgbClr val="C0504D"/>
+                    </a:solidFill>
                   </a:tcPr>
                 </a:tc>
                 <a:tc>
@@ -12234,12 +12496,14 @@
                           <a:ea typeface="微软雅黑" panose="020B0503020204020204" pitchFamily="34" charset="-122"/>
                           <a:cs typeface="+mn-cs"/>
                         </a:rPr>
-                        <a:t>1.97</a:t>
+                        <a:t>188</a:t>
                       </a:r>
                     </a:p>
                   </a:txBody>
                   <a:tcPr marL="57150" marR="57150" marT="57150" marB="57150" anchor="ctr">
-                    <a:noFill/>
+                    <a:solidFill>
+                      <a:srgbClr val="C0504D"/>
+                    </a:solidFill>
                   </a:tcPr>
                 </a:tc>
                 <a:tc>
@@ -12258,12 +12522,14 @@
                           <a:ea typeface="微软雅黑" panose="020B0503020204020204" pitchFamily="34" charset="-122"/>
                           <a:cs typeface="+mn-cs"/>
                         </a:rPr>
-                        <a:t>198</a:t>
+                        <a:t>2.02</a:t>
                       </a:r>
                     </a:p>
                   </a:txBody>
                   <a:tcPr marL="57150" marR="57150" marT="57150" marB="57150" anchor="ctr">
-                    <a:noFill/>
+                    <a:solidFill>
+                      <a:srgbClr val="C0504D"/>
+                    </a:solidFill>
                   </a:tcPr>
                 </a:tc>
                 <a:tc>
@@ -12282,36 +12548,14 @@
                           <a:ea typeface="微软雅黑" panose="020B0503020204020204" pitchFamily="34" charset="-122"/>
                           <a:cs typeface="+mn-cs"/>
                         </a:rPr>
-                        <a:t>4.06</a:t>
+                        <a:t>7846</a:t>
                       </a:r>
                     </a:p>
                   </a:txBody>
                   <a:tcPr marL="57150" marR="57150" marT="57150" marB="57150" anchor="ctr">
-                    <a:noFill/>
-                  </a:tcPr>
-                </a:tc>
-                <a:tc>
-                  <a:txBody>
-                    <a:bodyPr/>
-                    <a:lstStyle/>
-                    <a:p>
-                      <a:pPr marL="0" algn="ctr" defTabSz="1051286" rtl="0" eaLnBrk="1" fontAlgn="ctr" latinLnBrk="0" hangingPunct="1"/>
-                      <a:r>
-                        <a:rPr lang="en-US" altLang="zh-CN" sz="1100" u="none" strike="noStrike" kern="1200">
-                          <a:solidFill>
-                            <a:schemeClr val="tx1"/>
-                          </a:solidFill>
-                          <a:effectLst/>
-                          <a:latin typeface="微软雅黑" panose="020B0503020204020204" pitchFamily="34" charset="-122"/>
-                          <a:ea typeface="微软雅黑" panose="020B0503020204020204" pitchFamily="34" charset="-122"/>
-                          <a:cs typeface="+mn-cs"/>
-                        </a:rPr>
-                        <a:t>20599</a:t>
-                      </a:r>
-                    </a:p>
-                  </a:txBody>
-                  <a:tcPr marL="57150" marR="57150" marT="57150" marB="57150" anchor="ctr">
-                    <a:noFill/>
+                    <a:solidFill>
+                      <a:srgbClr val="C0504D"/>
+                    </a:solidFill>
                   </a:tcPr>
                 </a:tc>
                 <a:extLst>
@@ -12341,8 +12585,10 @@
                       </a:r>
                     </a:p>
                   </a:txBody>
-                  <a:tcPr marL="57150" marR="57150" marT="57150" marB="57150">
-                    <a:noFill/>
+                  <a:tcPr marL="57150" marR="57150" marT="57150" marB="57150" anchor="ctr">
+                    <a:solidFill>
+                      <a:srgbClr val="C0504D"/>
+                    </a:solidFill>
                   </a:tcPr>
                 </a:tc>
                 <a:tc>
@@ -12352,7 +12598,7 @@
                     <a:p>
                       <a:pPr marL="0" algn="ctr" defTabSz="1051286" rtl="0" eaLnBrk="1" fontAlgn="ctr" latinLnBrk="0" hangingPunct="1"/>
                       <a:r>
-                        <a:rPr lang="zh-CN" altLang="en-US" sz="1100" u="none" strike="noStrike" kern="1200" dirty="0">
+                        <a:rPr lang="zh-CN" altLang="en-US" sz="1100" u="none" strike="noStrike" kern="1200">
                           <a:solidFill>
                             <a:schemeClr val="tx1"/>
                           </a:solidFill>
@@ -12361,12 +12607,14 @@
                           <a:ea typeface="微软雅黑" panose="020B0503020204020204" pitchFamily="34" charset="-122"/>
                           <a:cs typeface="+mn-cs"/>
                         </a:rPr>
-                        <a:t>世茂荣里</a:t>
+                        <a:t>万达茂</a:t>
                       </a:r>
                     </a:p>
                   </a:txBody>
                   <a:tcPr marL="57150" marR="57150" marT="57150" marB="57150" anchor="ctr">
-                    <a:noFill/>
+                    <a:solidFill>
+                      <a:srgbClr val="C0504D"/>
+                    </a:solidFill>
                   </a:tcPr>
                 </a:tc>
                 <a:tc>
@@ -12385,12 +12633,14 @@
                           <a:ea typeface="微软雅黑" panose="020B0503020204020204" pitchFamily="34" charset="-122"/>
                           <a:cs typeface="+mn-cs"/>
                         </a:rPr>
-                        <a:t>江北</a:t>
+                        <a:t>仙林</a:t>
                       </a:r>
                     </a:p>
                   </a:txBody>
                   <a:tcPr marL="57150" marR="57150" marT="57150" marB="57150" anchor="ctr">
-                    <a:noFill/>
+                    <a:solidFill>
+                      <a:srgbClr val="C0504D"/>
+                    </a:solidFill>
                   </a:tcPr>
                 </a:tc>
                 <a:tc>
@@ -12400,7 +12650,7 @@
                     <a:p>
                       <a:pPr marL="0" algn="ctr" defTabSz="1051286" rtl="0" eaLnBrk="1" fontAlgn="ctr" latinLnBrk="0" hangingPunct="1"/>
                       <a:r>
-                        <a:rPr lang="en-US" altLang="zh-CN" sz="1100" u="none" strike="noStrike" kern="1200">
+                        <a:rPr lang="en-US" altLang="zh-CN" sz="1100" u="none" strike="noStrike" kern="1200" dirty="0">
                           <a:solidFill>
                             <a:schemeClr val="tx1"/>
                           </a:solidFill>
@@ -12409,12 +12659,14 @@
                           <a:ea typeface="微软雅黑" panose="020B0503020204020204" pitchFamily="34" charset="-122"/>
                           <a:cs typeface="+mn-cs"/>
                         </a:rPr>
-                        <a:t>1.55</a:t>
+                        <a:t>2.18</a:t>
                       </a:r>
                     </a:p>
                   </a:txBody>
                   <a:tcPr marL="57150" marR="57150" marT="57150" marB="57150" anchor="ctr">
-                    <a:noFill/>
+                    <a:solidFill>
+                      <a:srgbClr val="C0504D"/>
+                    </a:solidFill>
                   </a:tcPr>
                 </a:tc>
                 <a:tc>
@@ -12424,7 +12676,7 @@
                     <a:p>
                       <a:pPr marL="0" algn="ctr" defTabSz="1051286" rtl="0" eaLnBrk="1" fontAlgn="ctr" latinLnBrk="0" hangingPunct="1"/>
                       <a:r>
-                        <a:rPr lang="en-US" altLang="zh-CN" sz="1100" u="none" strike="noStrike" kern="1200">
+                        <a:rPr lang="en-US" altLang="zh-CN" sz="1100" u="none" strike="noStrike" kern="1200" dirty="0">
                           <a:solidFill>
                             <a:schemeClr val="tx1"/>
                           </a:solidFill>
@@ -12433,12 +12685,14 @@
                           <a:ea typeface="微软雅黑" panose="020B0503020204020204" pitchFamily="34" charset="-122"/>
                           <a:cs typeface="+mn-cs"/>
                         </a:rPr>
-                        <a:t>169</a:t>
+                        <a:t>706</a:t>
                       </a:r>
                     </a:p>
                   </a:txBody>
                   <a:tcPr marL="57150" marR="57150" marT="57150" marB="57150" anchor="ctr">
-                    <a:noFill/>
+                    <a:solidFill>
+                      <a:srgbClr val="C0504D"/>
+                    </a:solidFill>
                   </a:tcPr>
                 </a:tc>
                 <a:tc>
@@ -12448,7 +12702,7 @@
                     <a:p>
                       <a:pPr marL="0" algn="ctr" defTabSz="1051286" rtl="0" eaLnBrk="1" fontAlgn="ctr" latinLnBrk="0" hangingPunct="1"/>
                       <a:r>
-                        <a:rPr lang="en-US" altLang="zh-CN" sz="1100" u="none" strike="noStrike" kern="1200">
+                        <a:rPr lang="en-US" altLang="zh-CN" sz="1100" u="none" strike="noStrike" kern="1200" dirty="0">
                           <a:solidFill>
                             <a:schemeClr val="tx1"/>
                           </a:solidFill>
@@ -12457,12 +12711,14 @@
                           <a:ea typeface="微软雅黑" panose="020B0503020204020204" pitchFamily="34" charset="-122"/>
                           <a:cs typeface="+mn-cs"/>
                         </a:rPr>
-                        <a:t>3.72</a:t>
+                        <a:t>3.39</a:t>
                       </a:r>
                     </a:p>
                   </a:txBody>
                   <a:tcPr marL="57150" marR="57150" marT="57150" marB="57150" anchor="ctr">
-                    <a:noFill/>
+                    <a:solidFill>
+                      <a:srgbClr val="C0504D"/>
+                    </a:solidFill>
                   </a:tcPr>
                 </a:tc>
                 <a:tc>
@@ -12472,7 +12728,7 @@
                     <a:p>
                       <a:pPr marL="0" algn="ctr" defTabSz="1051286" rtl="0" eaLnBrk="1" fontAlgn="ctr" latinLnBrk="0" hangingPunct="1"/>
                       <a:r>
-                        <a:rPr lang="en-US" altLang="zh-CN" sz="1100" u="none" strike="noStrike" kern="1200">
+                        <a:rPr lang="en-US" altLang="zh-CN" sz="1100" u="none" strike="noStrike" kern="1200" dirty="0">
                           <a:solidFill>
                             <a:schemeClr val="tx1"/>
                           </a:solidFill>
@@ -12481,12 +12737,14 @@
                           <a:ea typeface="微软雅黑" panose="020B0503020204020204" pitchFamily="34" charset="-122"/>
                           <a:cs typeface="+mn-cs"/>
                         </a:rPr>
-                        <a:t>24035</a:t>
+                        <a:t>15517</a:t>
                       </a:r>
                     </a:p>
                   </a:txBody>
                   <a:tcPr marL="57150" marR="57150" marT="57150" marB="57150" anchor="ctr">
-                    <a:noFill/>
+                    <a:solidFill>
+                      <a:srgbClr val="C0504D"/>
+                    </a:solidFill>
                   </a:tcPr>
                 </a:tc>
                 <a:extLst>
@@ -12516,8 +12774,10 @@
                       </a:r>
                     </a:p>
                   </a:txBody>
-                  <a:tcPr marL="57150" marR="57150" marT="57150" marB="57150">
-                    <a:noFill/>
+                  <a:tcPr marL="57150" marR="57150" marT="57150" marB="57150" anchor="ctr">
+                    <a:solidFill>
+                      <a:srgbClr val="9BBB59"/>
+                    </a:solidFill>
                   </a:tcPr>
                 </a:tc>
                 <a:tc>
@@ -12536,12 +12796,14 @@
                           <a:ea typeface="微软雅黑" panose="020B0503020204020204" pitchFamily="34" charset="-122"/>
                           <a:cs typeface="+mn-cs"/>
                         </a:rPr>
-                        <a:t>龙湖春江郦城</a:t>
+                        <a:t>世茂荣里</a:t>
                       </a:r>
                     </a:p>
                   </a:txBody>
                   <a:tcPr marL="57150" marR="57150" marT="57150" marB="57150" anchor="ctr">
-                    <a:noFill/>
+                    <a:solidFill>
+                      <a:srgbClr val="9BBB59"/>
+                    </a:solidFill>
                   </a:tcPr>
                 </a:tc>
                 <a:tc>
@@ -12560,12 +12822,14 @@
                           <a:ea typeface="微软雅黑" panose="020B0503020204020204" pitchFamily="34" charset="-122"/>
                           <a:cs typeface="+mn-cs"/>
                         </a:rPr>
-                        <a:t>江宁</a:t>
+                        <a:t>江北</a:t>
                       </a:r>
                     </a:p>
                   </a:txBody>
                   <a:tcPr marL="57150" marR="57150" marT="57150" marB="57150" anchor="ctr">
-                    <a:noFill/>
+                    <a:solidFill>
+                      <a:srgbClr val="9BBB59"/>
+                    </a:solidFill>
                   </a:tcPr>
                 </a:tc>
                 <a:tc>
@@ -12575,7 +12839,7 @@
                     <a:p>
                       <a:pPr marL="0" algn="ctr" defTabSz="1051286" rtl="0" eaLnBrk="1" fontAlgn="ctr" latinLnBrk="0" hangingPunct="1"/>
                       <a:r>
-                        <a:rPr lang="en-US" altLang="zh-CN" sz="1100" u="none" strike="noStrike" kern="1200">
+                        <a:rPr lang="en-US" altLang="zh-CN" sz="1100" u="none" strike="noStrike" kern="1200" dirty="0">
                           <a:solidFill>
                             <a:schemeClr val="tx1"/>
                           </a:solidFill>
@@ -12584,12 +12848,14 @@
                           <a:ea typeface="微软雅黑" panose="020B0503020204020204" pitchFamily="34" charset="-122"/>
                           <a:cs typeface="+mn-cs"/>
                         </a:rPr>
-                        <a:t>1.07</a:t>
+                        <a:t>2.13</a:t>
                       </a:r>
                     </a:p>
                   </a:txBody>
                   <a:tcPr marL="57150" marR="57150" marT="57150" marB="57150" anchor="ctr">
-                    <a:noFill/>
+                    <a:solidFill>
+                      <a:srgbClr val="9BBB59"/>
+                    </a:solidFill>
                   </a:tcPr>
                 </a:tc>
                 <a:tc>
@@ -12599,7 +12865,7 @@
                     <a:p>
                       <a:pPr marL="0" algn="ctr" defTabSz="1051286" rtl="0" eaLnBrk="1" fontAlgn="ctr" latinLnBrk="0" hangingPunct="1"/>
                       <a:r>
-                        <a:rPr lang="en-US" altLang="zh-CN" sz="1100" u="none" strike="noStrike" kern="1200">
+                        <a:rPr lang="en-US" altLang="zh-CN" sz="1100" u="none" strike="noStrike" kern="1200" dirty="0">
                           <a:solidFill>
                             <a:schemeClr val="tx1"/>
                           </a:solidFill>
@@ -12608,12 +12874,14 @@
                           <a:ea typeface="微软雅黑" panose="020B0503020204020204" pitchFamily="34" charset="-122"/>
                           <a:cs typeface="+mn-cs"/>
                         </a:rPr>
-                        <a:t>62</a:t>
+                        <a:t>222</a:t>
                       </a:r>
                     </a:p>
                   </a:txBody>
                   <a:tcPr marL="57150" marR="57150" marT="57150" marB="57150" anchor="ctr">
-                    <a:noFill/>
+                    <a:solidFill>
+                      <a:srgbClr val="9BBB59"/>
+                    </a:solidFill>
                   </a:tcPr>
                 </a:tc>
                 <a:tc>
@@ -12623,7 +12891,7 @@
                     <a:p>
                       <a:pPr marL="0" algn="ctr" defTabSz="1051286" rtl="0" eaLnBrk="1" fontAlgn="ctr" latinLnBrk="0" hangingPunct="1"/>
                       <a:r>
-                        <a:rPr lang="en-US" altLang="zh-CN" sz="1100" u="none" strike="noStrike" kern="1200">
+                        <a:rPr lang="en-US" altLang="zh-CN" sz="1100" u="none" strike="noStrike" kern="1200" dirty="0">
                           <a:solidFill>
                             <a:schemeClr val="tx1"/>
                           </a:solidFill>
@@ -12632,12 +12900,14 @@
                           <a:ea typeface="微软雅黑" panose="020B0503020204020204" pitchFamily="34" charset="-122"/>
                           <a:cs typeface="+mn-cs"/>
                         </a:rPr>
-                        <a:t>3.14</a:t>
+                        <a:t>5.14</a:t>
                       </a:r>
                     </a:p>
                   </a:txBody>
                   <a:tcPr marL="57150" marR="57150" marT="57150" marB="57150" anchor="ctr">
-                    <a:noFill/>
+                    <a:solidFill>
+                      <a:srgbClr val="9BBB59"/>
+                    </a:solidFill>
                   </a:tcPr>
                 </a:tc>
                 <a:tc>
@@ -12647,7 +12917,7 @@
                     <a:p>
                       <a:pPr marL="0" algn="ctr" defTabSz="1051286" rtl="0" eaLnBrk="1" fontAlgn="ctr" latinLnBrk="0" hangingPunct="1"/>
                       <a:r>
-                        <a:rPr lang="en-US" altLang="zh-CN" sz="1100" u="none" strike="noStrike" kern="1200">
+                        <a:rPr lang="en-US" altLang="zh-CN" sz="1100" u="none" strike="noStrike" kern="1200" dirty="0">
                           <a:solidFill>
                             <a:schemeClr val="tx1"/>
                           </a:solidFill>
@@ -12656,12 +12926,14 @@
                           <a:ea typeface="微软雅黑" panose="020B0503020204020204" pitchFamily="34" charset="-122"/>
                           <a:cs typeface="+mn-cs"/>
                         </a:rPr>
-                        <a:t>29315</a:t>
+                        <a:t>24107</a:t>
                       </a:r>
                     </a:p>
                   </a:txBody>
                   <a:tcPr marL="57150" marR="57150" marT="57150" marB="57150" anchor="ctr">
-                    <a:noFill/>
+                    <a:solidFill>
+                      <a:srgbClr val="9BBB59"/>
+                    </a:solidFill>
                   </a:tcPr>
                 </a:tc>
                 <a:extLst>
@@ -12678,7 +12950,7 @@
                     <a:p>
                       <a:pPr marL="0" algn="ctr" defTabSz="1051286" rtl="0" eaLnBrk="1" fontAlgn="ctr" latinLnBrk="0" hangingPunct="1"/>
                       <a:r>
-                        <a:rPr lang="en-US" altLang="zh-CN" sz="1100" u="none" strike="noStrike" kern="1200">
+                        <a:rPr lang="en-US" altLang="zh-CN" sz="1100" u="none" strike="noStrike" kern="1200" dirty="0">
                           <a:solidFill>
                             <a:schemeClr val="tx1"/>
                           </a:solidFill>
@@ -12691,8 +12963,10 @@
                       </a:r>
                     </a:p>
                   </a:txBody>
-                  <a:tcPr marL="57150" marR="57150" marT="57150" marB="57150">
-                    <a:noFill/>
+                  <a:tcPr marL="57150" marR="57150" marT="57150" marB="57150" anchor="ctr">
+                    <a:solidFill>
+                      <a:srgbClr val="C0504D"/>
+                    </a:solidFill>
                   </a:tcPr>
                 </a:tc>
                 <a:tc>
@@ -12702,7 +12976,7 @@
                     <a:p>
                       <a:pPr marL="0" algn="ctr" defTabSz="1051286" rtl="0" eaLnBrk="1" fontAlgn="ctr" latinLnBrk="0" hangingPunct="1"/>
                       <a:r>
-                        <a:rPr lang="zh-CN" altLang="en-US" sz="1100" u="none" strike="noStrike" kern="1200">
+                        <a:rPr lang="zh-CN" altLang="en-US" sz="1100" u="none" strike="noStrike" kern="1200" dirty="0">
                           <a:solidFill>
                             <a:schemeClr val="tx1"/>
                           </a:solidFill>
@@ -12711,12 +12985,14 @@
                           <a:ea typeface="微软雅黑" panose="020B0503020204020204" pitchFamily="34" charset="-122"/>
                           <a:cs typeface="+mn-cs"/>
                         </a:rPr>
-                        <a:t>金基九月森林</a:t>
+                        <a:t>万科城</a:t>
                       </a:r>
                     </a:p>
                   </a:txBody>
                   <a:tcPr marL="57150" marR="57150" marT="57150" marB="57150" anchor="ctr">
-                    <a:noFill/>
+                    <a:solidFill>
+                      <a:srgbClr val="C0504D"/>
+                    </a:solidFill>
                   </a:tcPr>
                 </a:tc>
                 <a:tc>
@@ -12735,12 +13011,14 @@
                           <a:ea typeface="微软雅黑" panose="020B0503020204020204" pitchFamily="34" charset="-122"/>
                           <a:cs typeface="+mn-cs"/>
                         </a:rPr>
-                        <a:t>浦口</a:t>
+                        <a:t>溧水</a:t>
                       </a:r>
                     </a:p>
                   </a:txBody>
                   <a:tcPr marL="57150" marR="57150" marT="57150" marB="57150" anchor="ctr">
-                    <a:noFill/>
+                    <a:solidFill>
+                      <a:srgbClr val="C0504D"/>
+                    </a:solidFill>
                   </a:tcPr>
                 </a:tc>
                 <a:tc>
@@ -12750,7 +13028,7 @@
                     <a:p>
                       <a:pPr marL="0" algn="ctr" defTabSz="1051286" rtl="0" eaLnBrk="1" fontAlgn="ctr" latinLnBrk="0" hangingPunct="1"/>
                       <a:r>
-                        <a:rPr lang="en-US" altLang="zh-CN" sz="1100" u="none" strike="noStrike" kern="1200">
+                        <a:rPr lang="en-US" altLang="zh-CN" sz="1100" u="none" strike="noStrike" kern="1200" dirty="0">
                           <a:solidFill>
                             <a:schemeClr val="tx1"/>
                           </a:solidFill>
@@ -12759,12 +13037,14 @@
                           <a:ea typeface="微软雅黑" panose="020B0503020204020204" pitchFamily="34" charset="-122"/>
                           <a:cs typeface="+mn-cs"/>
                         </a:rPr>
-                        <a:t>1.00</a:t>
+                        <a:t>2.09</a:t>
                       </a:r>
                     </a:p>
                   </a:txBody>
                   <a:tcPr marL="57150" marR="57150" marT="57150" marB="57150" anchor="ctr">
-                    <a:noFill/>
+                    <a:solidFill>
+                      <a:srgbClr val="C0504D"/>
+                    </a:solidFill>
                   </a:tcPr>
                 </a:tc>
                 <a:tc>
@@ -12774,7 +13054,7 @@
                     <a:p>
                       <a:pPr marL="0" algn="ctr" defTabSz="1051286" rtl="0" eaLnBrk="1" fontAlgn="ctr" latinLnBrk="0" hangingPunct="1"/>
                       <a:r>
-                        <a:rPr lang="en-US" altLang="zh-CN" sz="1100" u="none" strike="noStrike" kern="1200">
+                        <a:rPr lang="en-US" altLang="zh-CN" sz="1100" u="none" strike="noStrike" kern="1200" dirty="0">
                           <a:solidFill>
                             <a:schemeClr val="tx1"/>
                           </a:solidFill>
@@ -12783,12 +13063,14 @@
                           <a:ea typeface="微软雅黑" panose="020B0503020204020204" pitchFamily="34" charset="-122"/>
                           <a:cs typeface="+mn-cs"/>
                         </a:rPr>
-                        <a:t>26</a:t>
+                        <a:t>194</a:t>
                       </a:r>
                     </a:p>
                   </a:txBody>
                   <a:tcPr marL="57150" marR="57150" marT="57150" marB="57150" anchor="ctr">
-                    <a:noFill/>
+                    <a:solidFill>
+                      <a:srgbClr val="C0504D"/>
+                    </a:solidFill>
                   </a:tcPr>
                 </a:tc>
                 <a:tc>
@@ -12798,7 +13080,7 @@
                     <a:p>
                       <a:pPr marL="0" algn="ctr" defTabSz="1051286" rtl="0" eaLnBrk="1" fontAlgn="ctr" latinLnBrk="0" hangingPunct="1"/>
                       <a:r>
-                        <a:rPr lang="en-US" altLang="zh-CN" sz="1100" u="none" strike="noStrike" kern="1200">
+                        <a:rPr lang="en-US" altLang="zh-CN" sz="1100" u="none" strike="noStrike" kern="1200" dirty="0">
                           <a:solidFill>
                             <a:schemeClr val="tx1"/>
                           </a:solidFill>
@@ -12807,12 +13089,14 @@
                           <a:ea typeface="微软雅黑" panose="020B0503020204020204" pitchFamily="34" charset="-122"/>
                           <a:cs typeface="+mn-cs"/>
                         </a:rPr>
-                        <a:t>3.29</a:t>
+                        <a:t>2.54</a:t>
                       </a:r>
                     </a:p>
                   </a:txBody>
                   <a:tcPr marL="57150" marR="57150" marT="57150" marB="57150" anchor="ctr">
-                    <a:noFill/>
+                    <a:solidFill>
+                      <a:srgbClr val="C0504D"/>
+                    </a:solidFill>
                   </a:tcPr>
                 </a:tc>
                 <a:tc>
@@ -12822,7 +13106,7 @@
                     <a:p>
                       <a:pPr marL="0" algn="ctr" defTabSz="1051286" rtl="0" eaLnBrk="1" fontAlgn="ctr" latinLnBrk="0" hangingPunct="1"/>
                       <a:r>
-                        <a:rPr lang="en-US" altLang="zh-CN" sz="1100" u="none" strike="noStrike" kern="1200">
+                        <a:rPr lang="en-US" altLang="zh-CN" sz="1100" u="none" strike="noStrike" kern="1200" dirty="0">
                           <a:solidFill>
                             <a:schemeClr val="tx1"/>
                           </a:solidFill>
@@ -12831,12 +13115,14 @@
                           <a:ea typeface="微软雅黑" panose="020B0503020204020204" pitchFamily="34" charset="-122"/>
                           <a:cs typeface="+mn-cs"/>
                         </a:rPr>
-                        <a:t>33020</a:t>
+                        <a:t>12164</a:t>
                       </a:r>
                     </a:p>
                   </a:txBody>
                   <a:tcPr marL="57150" marR="57150" marT="57150" marB="57150" anchor="ctr">
-                    <a:noFill/>
+                    <a:solidFill>
+                      <a:srgbClr val="C0504D"/>
+                    </a:solidFill>
                   </a:tcPr>
                 </a:tc>
                 <a:extLst>
@@ -12866,8 +13152,10 @@
                       </a:r>
                     </a:p>
                   </a:txBody>
-                  <a:tcPr marL="57150" marR="57150" marT="57150" marB="57150">
-                    <a:noFill/>
+                  <a:tcPr marL="57150" marR="57150" marT="57150" marB="57150" anchor="ctr">
+                    <a:solidFill>
+                      <a:srgbClr val="9BBB59"/>
+                    </a:solidFill>
                   </a:tcPr>
                 </a:tc>
                 <a:tc>
@@ -12877,6 +13165,32 @@
                     <a:p>
                       <a:pPr marL="0" algn="ctr" defTabSz="1051286" rtl="0" eaLnBrk="1" fontAlgn="ctr" latinLnBrk="0" hangingPunct="1"/>
                       <a:r>
+                        <a:rPr lang="zh-CN" altLang="en-US" sz="1100" u="none" strike="noStrike" kern="1200" dirty="0">
+                          <a:solidFill>
+                            <a:schemeClr val="tx1"/>
+                          </a:solidFill>
+                          <a:effectLst/>
+                          <a:latin typeface="微软雅黑" panose="020B0503020204020204" pitchFamily="34" charset="-122"/>
+                          <a:ea typeface="微软雅黑" panose="020B0503020204020204" pitchFamily="34" charset="-122"/>
+                          <a:cs typeface="+mn-cs"/>
+                        </a:rPr>
+                        <a:t>御澜府</a:t>
+                      </a:r>
+                    </a:p>
+                  </a:txBody>
+                  <a:tcPr marL="57150" marR="57150" marT="57150" marB="57150" anchor="ctr">
+                    <a:solidFill>
+                      <a:srgbClr val="9BBB59"/>
+                    </a:solidFill>
+                  </a:tcPr>
+                </a:tc>
+                <a:tc>
+                  <a:txBody>
+                    <a:bodyPr/>
+                    <a:lstStyle/>
+                    <a:p>
+                      <a:pPr marL="0" algn="ctr" defTabSz="1051286" rtl="0" eaLnBrk="1" fontAlgn="ctr" latinLnBrk="0" hangingPunct="1"/>
+                      <a:r>
                         <a:rPr lang="zh-CN" altLang="en-US" sz="1100" u="none" strike="noStrike" kern="1200">
                           <a:solidFill>
                             <a:schemeClr val="tx1"/>
@@ -12886,12 +13200,14 @@
                           <a:ea typeface="微软雅黑" panose="020B0503020204020204" pitchFamily="34" charset="-122"/>
                           <a:cs typeface="+mn-cs"/>
                         </a:rPr>
-                        <a:t>万科大都会</a:t>
+                        <a:t>江北</a:t>
                       </a:r>
                     </a:p>
                   </a:txBody>
                   <a:tcPr marL="57150" marR="57150" marT="57150" marB="57150" anchor="ctr">
-                    <a:noFill/>
+                    <a:solidFill>
+                      <a:srgbClr val="9BBB59"/>
+                    </a:solidFill>
                   </a:tcPr>
                 </a:tc>
                 <a:tc>
@@ -12901,7 +13217,7 @@
                     <a:p>
                       <a:pPr marL="0" algn="ctr" defTabSz="1051286" rtl="0" eaLnBrk="1" fontAlgn="ctr" latinLnBrk="0" hangingPunct="1"/>
                       <a:r>
-                        <a:rPr lang="zh-CN" altLang="en-US" sz="1100" u="none" strike="noStrike" kern="1200">
+                        <a:rPr lang="en-US" altLang="zh-CN" sz="1100" u="none" strike="noStrike" kern="1200">
                           <a:solidFill>
                             <a:schemeClr val="tx1"/>
                           </a:solidFill>
@@ -12910,12 +13226,14 @@
                           <a:ea typeface="微软雅黑" panose="020B0503020204020204" pitchFamily="34" charset="-122"/>
                           <a:cs typeface="+mn-cs"/>
                         </a:rPr>
-                        <a:t>城南</a:t>
+                        <a:t>2.05</a:t>
                       </a:r>
                     </a:p>
                   </a:txBody>
                   <a:tcPr marL="57150" marR="57150" marT="57150" marB="57150" anchor="ctr">
-                    <a:noFill/>
+                    <a:solidFill>
+                      <a:srgbClr val="9BBB59"/>
+                    </a:solidFill>
                   </a:tcPr>
                 </a:tc>
                 <a:tc>
@@ -12925,7 +13243,7 @@
                     <a:p>
                       <a:pPr marL="0" algn="ctr" defTabSz="1051286" rtl="0" eaLnBrk="1" fontAlgn="ctr" latinLnBrk="0" hangingPunct="1"/>
                       <a:r>
-                        <a:rPr lang="en-US" altLang="zh-CN" sz="1100" u="none" strike="noStrike" kern="1200" dirty="0">
+                        <a:rPr lang="en-US" altLang="zh-CN" sz="1100" u="none" strike="noStrike" kern="1200">
                           <a:solidFill>
                             <a:schemeClr val="tx1"/>
                           </a:solidFill>
@@ -12934,12 +13252,14 @@
                           <a:ea typeface="微软雅黑" panose="020B0503020204020204" pitchFamily="34" charset="-122"/>
                           <a:cs typeface="+mn-cs"/>
                         </a:rPr>
-                        <a:t>0.93</a:t>
+                        <a:t>194</a:t>
                       </a:r>
                     </a:p>
                   </a:txBody>
                   <a:tcPr marL="57150" marR="57150" marT="57150" marB="57150" anchor="ctr">
-                    <a:noFill/>
+                    <a:solidFill>
+                      <a:srgbClr val="9BBB59"/>
+                    </a:solidFill>
                   </a:tcPr>
                 </a:tc>
                 <a:tc>
@@ -12949,7 +13269,7 @@
                     <a:p>
                       <a:pPr marL="0" algn="ctr" defTabSz="1051286" rtl="0" eaLnBrk="1" fontAlgn="ctr" latinLnBrk="0" hangingPunct="1"/>
                       <a:r>
-                        <a:rPr lang="en-US" altLang="zh-CN" sz="1100" u="none" strike="noStrike" kern="1200" dirty="0">
+                        <a:rPr lang="en-US" altLang="zh-CN" sz="1100" u="none" strike="noStrike" kern="1200">
                           <a:solidFill>
                             <a:schemeClr val="tx1"/>
                           </a:solidFill>
@@ -12958,12 +13278,14 @@
                           <a:ea typeface="微软雅黑" panose="020B0503020204020204" pitchFamily="34" charset="-122"/>
                           <a:cs typeface="+mn-cs"/>
                         </a:rPr>
-                        <a:t>81</a:t>
+                        <a:t>5.22</a:t>
                       </a:r>
                     </a:p>
                   </a:txBody>
                   <a:tcPr marL="57150" marR="57150" marT="57150" marB="57150" anchor="ctr">
-                    <a:noFill/>
+                    <a:solidFill>
+                      <a:srgbClr val="9BBB59"/>
+                    </a:solidFill>
                   </a:tcPr>
                 </a:tc>
                 <a:tc>
@@ -12982,36 +13304,14 @@
                           <a:ea typeface="微软雅黑" panose="020B0503020204020204" pitchFamily="34" charset="-122"/>
                           <a:cs typeface="+mn-cs"/>
                         </a:rPr>
-                        <a:t>3.25</a:t>
+                        <a:t>25477</a:t>
                       </a:r>
                     </a:p>
                   </a:txBody>
                   <a:tcPr marL="57150" marR="57150" marT="57150" marB="57150" anchor="ctr">
-                    <a:noFill/>
-                  </a:tcPr>
-                </a:tc>
-                <a:tc>
-                  <a:txBody>
-                    <a:bodyPr/>
-                    <a:lstStyle/>
-                    <a:p>
-                      <a:pPr marL="0" algn="ctr" defTabSz="1051286" rtl="0" eaLnBrk="1" fontAlgn="ctr" latinLnBrk="0" hangingPunct="1"/>
-                      <a:r>
-                        <a:rPr lang="en-US" altLang="zh-CN" sz="1100" u="none" strike="noStrike" kern="1200">
-                          <a:solidFill>
-                            <a:schemeClr val="tx1"/>
-                          </a:solidFill>
-                          <a:effectLst/>
-                          <a:latin typeface="微软雅黑" panose="020B0503020204020204" pitchFamily="34" charset="-122"/>
-                          <a:ea typeface="微软雅黑" panose="020B0503020204020204" pitchFamily="34" charset="-122"/>
-                          <a:cs typeface="+mn-cs"/>
-                        </a:rPr>
-                        <a:t>34829</a:t>
-                      </a:r>
-                    </a:p>
-                  </a:txBody>
-                  <a:tcPr marL="57150" marR="57150" marT="57150" marB="57150" anchor="ctr">
-                    <a:noFill/>
+                    <a:solidFill>
+                      <a:srgbClr val="9BBB59"/>
+                    </a:solidFill>
                   </a:tcPr>
                 </a:tc>
                 <a:extLst>
@@ -13041,8 +13341,10 @@
                       </a:r>
                     </a:p>
                   </a:txBody>
-                  <a:tcPr marL="57150" marR="57150" marT="57150" marB="57150">
-                    <a:noFill/>
+                  <a:tcPr marL="57150" marR="57150" marT="57150" marB="57150" anchor="ctr">
+                    <a:solidFill>
+                      <a:srgbClr val="9BBB59"/>
+                    </a:solidFill>
                   </a:tcPr>
                 </a:tc>
                 <a:tc>
@@ -13052,7 +13354,7 @@
                     <a:p>
                       <a:pPr marL="0" algn="ctr" defTabSz="1051286" rtl="0" eaLnBrk="1" fontAlgn="ctr" latinLnBrk="0" hangingPunct="1"/>
                       <a:r>
-                        <a:rPr lang="zh-CN" altLang="en-US" sz="1100" u="none" strike="noStrike" kern="1200">
+                        <a:rPr lang="zh-CN" altLang="en-US" sz="1100" u="none" strike="noStrike" kern="1200" dirty="0">
                           <a:solidFill>
                             <a:schemeClr val="tx1"/>
                           </a:solidFill>
@@ -13061,12 +13363,14 @@
                           <a:ea typeface="微软雅黑" panose="020B0503020204020204" pitchFamily="34" charset="-122"/>
                           <a:cs typeface="+mn-cs"/>
                         </a:rPr>
-                        <a:t>蓝天星港花园</a:t>
+                        <a:t>海赋尚城</a:t>
                       </a:r>
                     </a:p>
                   </a:txBody>
                   <a:tcPr marL="57150" marR="57150" marT="57150" marB="57150" anchor="ctr">
-                    <a:noFill/>
+                    <a:solidFill>
+                      <a:srgbClr val="9BBB59"/>
+                    </a:solidFill>
                   </a:tcPr>
                 </a:tc>
                 <a:tc>
@@ -13076,7 +13380,7 @@
                     <a:p>
                       <a:pPr marL="0" algn="ctr" defTabSz="1051286" rtl="0" eaLnBrk="1" fontAlgn="ctr" latinLnBrk="0" hangingPunct="1"/>
                       <a:r>
-                        <a:rPr lang="zh-CN" altLang="en-US" sz="1100" u="none" strike="noStrike" kern="1200">
+                        <a:rPr lang="zh-CN" altLang="en-US" sz="1100" u="none" strike="noStrike" kern="1200" dirty="0">
                           <a:solidFill>
                             <a:schemeClr val="tx1"/>
                           </a:solidFill>
@@ -13085,12 +13389,14 @@
                           <a:ea typeface="微软雅黑" panose="020B0503020204020204" pitchFamily="34" charset="-122"/>
                           <a:cs typeface="+mn-cs"/>
                         </a:rPr>
-                        <a:t>江宁</a:t>
+                        <a:t>城北</a:t>
                       </a:r>
                     </a:p>
                   </a:txBody>
                   <a:tcPr marL="57150" marR="57150" marT="57150" marB="57150" anchor="ctr">
-                    <a:noFill/>
+                    <a:solidFill>
+                      <a:srgbClr val="9BBB59"/>
+                    </a:solidFill>
                   </a:tcPr>
                 </a:tc>
                 <a:tc>
@@ -13109,12 +13415,14 @@
                           <a:ea typeface="微软雅黑" panose="020B0503020204020204" pitchFamily="34" charset="-122"/>
                           <a:cs typeface="+mn-cs"/>
                         </a:rPr>
-                        <a:t>0.91</a:t>
+                        <a:t>2.04</a:t>
                       </a:r>
                     </a:p>
                   </a:txBody>
                   <a:tcPr marL="57150" marR="57150" marT="57150" marB="57150" anchor="ctr">
-                    <a:noFill/>
+                    <a:solidFill>
+                      <a:srgbClr val="9BBB59"/>
+                    </a:solidFill>
                   </a:tcPr>
                 </a:tc>
                 <a:tc>
@@ -13124,7 +13432,7 @@
                     <a:p>
                       <a:pPr marL="0" algn="ctr" defTabSz="1051286" rtl="0" eaLnBrk="1" fontAlgn="ctr" latinLnBrk="0" hangingPunct="1"/>
                       <a:r>
-                        <a:rPr lang="en-US" altLang="zh-CN" sz="1100" u="none" strike="noStrike" kern="1200" dirty="0">
+                        <a:rPr lang="en-US" altLang="zh-CN" sz="1100" u="none" strike="noStrike" kern="1200">
                           <a:solidFill>
                             <a:schemeClr val="tx1"/>
                           </a:solidFill>
@@ -13133,12 +13441,14 @@
                           <a:ea typeface="微软雅黑" panose="020B0503020204020204" pitchFamily="34" charset="-122"/>
                           <a:cs typeface="+mn-cs"/>
                         </a:rPr>
-                        <a:t>102</a:t>
+                        <a:t>229</a:t>
                       </a:r>
                     </a:p>
                   </a:txBody>
                   <a:tcPr marL="57150" marR="57150" marT="57150" marB="57150" anchor="ctr">
-                    <a:noFill/>
+                    <a:solidFill>
+                      <a:srgbClr val="9BBB59"/>
+                    </a:solidFill>
                   </a:tcPr>
                 </a:tc>
                 <a:tc>
@@ -13157,12 +13467,14 @@
                           <a:ea typeface="微软雅黑" panose="020B0503020204020204" pitchFamily="34" charset="-122"/>
                           <a:cs typeface="+mn-cs"/>
                         </a:rPr>
-                        <a:t>1.58</a:t>
+                        <a:t>5.23</a:t>
                       </a:r>
                     </a:p>
                   </a:txBody>
                   <a:tcPr marL="57150" marR="57150" marT="57150" marB="57150" anchor="ctr">
-                    <a:noFill/>
+                    <a:solidFill>
+                      <a:srgbClr val="9BBB59"/>
+                    </a:solidFill>
                   </a:tcPr>
                 </a:tc>
                 <a:tc>
@@ -13181,12 +13493,14 @@
                           <a:ea typeface="微软雅黑" panose="020B0503020204020204" pitchFamily="34" charset="-122"/>
                           <a:cs typeface="+mn-cs"/>
                         </a:rPr>
-                        <a:t>17454</a:t>
+                        <a:t>25641</a:t>
                       </a:r>
                     </a:p>
                   </a:txBody>
                   <a:tcPr marL="57150" marR="57150" marT="57150" marB="57150" anchor="ctr">
-                    <a:noFill/>
+                    <a:solidFill>
+                      <a:srgbClr val="9BBB59"/>
+                    </a:solidFill>
                   </a:tcPr>
                 </a:tc>
                 <a:extLst>
@@ -13216,8 +13530,10 @@
                       </a:r>
                     </a:p>
                   </a:txBody>
-                  <a:tcPr marL="57150" marR="57150" marT="57150" marB="57150">
-                    <a:noFill/>
+                  <a:tcPr marL="57150" marR="57150" marT="57150" marB="57150" anchor="ctr">
+                    <a:solidFill>
+                      <a:srgbClr val="9BBB59"/>
+                    </a:solidFill>
                   </a:tcPr>
                 </a:tc>
                 <a:tc>
@@ -13236,12 +13552,14 @@
                           <a:ea typeface="微软雅黑" panose="020B0503020204020204" pitchFamily="34" charset="-122"/>
                           <a:cs typeface="+mn-cs"/>
                         </a:rPr>
-                        <a:t>御澜府</a:t>
+                        <a:t>大华锦绣时代</a:t>
                       </a:r>
                     </a:p>
                   </a:txBody>
                   <a:tcPr marL="57150" marR="57150" marT="57150" marB="57150" anchor="ctr">
-                    <a:noFill/>
+                    <a:solidFill>
+                      <a:srgbClr val="9BBB59"/>
+                    </a:solidFill>
                   </a:tcPr>
                 </a:tc>
                 <a:tc>
@@ -13265,7 +13583,9 @@
                     </a:p>
                   </a:txBody>
                   <a:tcPr marL="57150" marR="57150" marT="57150" marB="57150" anchor="ctr">
-                    <a:noFill/>
+                    <a:solidFill>
+                      <a:srgbClr val="9BBB59"/>
+                    </a:solidFill>
                   </a:tcPr>
                 </a:tc>
                 <a:tc>
@@ -13275,7 +13595,7 @@
                     <a:p>
                       <a:pPr marL="0" algn="ctr" defTabSz="1051286" rtl="0" eaLnBrk="1" fontAlgn="ctr" latinLnBrk="0" hangingPunct="1"/>
                       <a:r>
-                        <a:rPr lang="en-US" altLang="zh-CN" sz="1100" u="none" strike="noStrike" kern="1200">
+                        <a:rPr lang="en-US" altLang="zh-CN" sz="1100" u="none" strike="noStrike" kern="1200" dirty="0">
                           <a:solidFill>
                             <a:schemeClr val="tx1"/>
                           </a:solidFill>
@@ -13284,12 +13604,14 @@
                           <a:ea typeface="微软雅黑" panose="020B0503020204020204" pitchFamily="34" charset="-122"/>
                           <a:cs typeface="+mn-cs"/>
                         </a:rPr>
-                        <a:t>0.90</a:t>
+                        <a:t>1.98</a:t>
                       </a:r>
                     </a:p>
                   </a:txBody>
                   <a:tcPr marL="57150" marR="57150" marT="57150" marB="57150" anchor="ctr">
-                    <a:noFill/>
+                    <a:solidFill>
+                      <a:srgbClr val="9BBB59"/>
+                    </a:solidFill>
                   </a:tcPr>
                 </a:tc>
                 <a:tc>
@@ -13299,7 +13621,7 @@
                     <a:p>
                       <a:pPr marL="0" algn="ctr" defTabSz="1051286" rtl="0" eaLnBrk="1" fontAlgn="ctr" latinLnBrk="0" hangingPunct="1"/>
                       <a:r>
-                        <a:rPr lang="en-US" altLang="zh-CN" sz="1100" u="none" strike="noStrike" kern="1200">
+                        <a:rPr lang="en-US" altLang="zh-CN" sz="1100" u="none" strike="noStrike" kern="1200" dirty="0">
                           <a:solidFill>
                             <a:schemeClr val="tx1"/>
                           </a:solidFill>
@@ -13308,12 +13630,14 @@
                           <a:ea typeface="微软雅黑" panose="020B0503020204020204" pitchFamily="34" charset="-122"/>
                           <a:cs typeface="+mn-cs"/>
                         </a:rPr>
-                        <a:t>73</a:t>
+                        <a:t>211</a:t>
                       </a:r>
                     </a:p>
                   </a:txBody>
                   <a:tcPr marL="57150" marR="57150" marT="57150" marB="57150" anchor="ctr">
-                    <a:noFill/>
+                    <a:solidFill>
+                      <a:srgbClr val="9BBB59"/>
+                    </a:solidFill>
                   </a:tcPr>
                 </a:tc>
                 <a:tc>
@@ -13332,12 +13656,14 @@
                           <a:ea typeface="微软雅黑" panose="020B0503020204020204" pitchFamily="34" charset="-122"/>
                           <a:cs typeface="+mn-cs"/>
                         </a:rPr>
-                        <a:t>2.28</a:t>
+                        <a:t>4.58</a:t>
                       </a:r>
                     </a:p>
                   </a:txBody>
                   <a:tcPr marL="57150" marR="57150" marT="57150" marB="57150" anchor="ctr">
-                    <a:noFill/>
+                    <a:solidFill>
+                      <a:srgbClr val="9BBB59"/>
+                    </a:solidFill>
                   </a:tcPr>
                 </a:tc>
                 <a:tc>
@@ -13356,12 +13682,14 @@
                           <a:ea typeface="微软雅黑" panose="020B0503020204020204" pitchFamily="34" charset="-122"/>
                           <a:cs typeface="+mn-cs"/>
                         </a:rPr>
-                        <a:t>25385</a:t>
+                        <a:t>23096</a:t>
                       </a:r>
                     </a:p>
                   </a:txBody>
                   <a:tcPr marL="57150" marR="57150" marT="57150" marB="57150" anchor="ctr">
-                    <a:noFill/>
+                    <a:solidFill>
+                      <a:srgbClr val="9BBB59"/>
+                    </a:solidFill>
                   </a:tcPr>
                 </a:tc>
                 <a:extLst>
